--- a/Presentation/Carpool.pptx
+++ b/Presentation/Carpool.pptx
@@ -5,7 +5,7 @@
     <p:sldMasterId id="2147483648" r:id="rId1"/>
   </p:sldMasterIdLst>
   <p:notesMasterIdLst>
-    <p:notesMasterId r:id="rId25"/>
+    <p:notesMasterId r:id="rId26"/>
   </p:notesMasterIdLst>
   <p:sldIdLst>
     <p:sldId id="256" r:id="rId2"/>
@@ -13,24 +13,25 @@
     <p:sldId id="258" r:id="rId4"/>
     <p:sldId id="262" r:id="rId5"/>
     <p:sldId id="259" r:id="rId6"/>
-    <p:sldId id="260" r:id="rId7"/>
-    <p:sldId id="263" r:id="rId8"/>
-    <p:sldId id="275" r:id="rId9"/>
-    <p:sldId id="274" r:id="rId10"/>
-    <p:sldId id="277" r:id="rId11"/>
-    <p:sldId id="278" r:id="rId12"/>
-    <p:sldId id="279" r:id="rId13"/>
-    <p:sldId id="280" r:id="rId14"/>
-    <p:sldId id="261" r:id="rId15"/>
-    <p:sldId id="276" r:id="rId16"/>
-    <p:sldId id="265" r:id="rId17"/>
-    <p:sldId id="267" r:id="rId18"/>
-    <p:sldId id="268" r:id="rId19"/>
-    <p:sldId id="269" r:id="rId20"/>
-    <p:sldId id="270" r:id="rId21"/>
-    <p:sldId id="271" r:id="rId22"/>
-    <p:sldId id="272" r:id="rId23"/>
-    <p:sldId id="273" r:id="rId24"/>
+    <p:sldId id="281" r:id="rId7"/>
+    <p:sldId id="260" r:id="rId8"/>
+    <p:sldId id="263" r:id="rId9"/>
+    <p:sldId id="275" r:id="rId10"/>
+    <p:sldId id="274" r:id="rId11"/>
+    <p:sldId id="277" r:id="rId12"/>
+    <p:sldId id="278" r:id="rId13"/>
+    <p:sldId id="279" r:id="rId14"/>
+    <p:sldId id="280" r:id="rId15"/>
+    <p:sldId id="261" r:id="rId16"/>
+    <p:sldId id="276" r:id="rId17"/>
+    <p:sldId id="265" r:id="rId18"/>
+    <p:sldId id="267" r:id="rId19"/>
+    <p:sldId id="268" r:id="rId20"/>
+    <p:sldId id="269" r:id="rId21"/>
+    <p:sldId id="270" r:id="rId22"/>
+    <p:sldId id="271" r:id="rId23"/>
+    <p:sldId id="272" r:id="rId24"/>
+    <p:sldId id="273" r:id="rId25"/>
   </p:sldIdLst>
   <p:sldSz cx="12192000" cy="6858000"/>
   <p:notesSz cx="6858000" cy="9144000"/>
@@ -4155,7 +4156,7 @@
           <p:cNvPr id="2" name="Title 1">
             <a:extLst>
               <a:ext uri="{FF2B5EF4-FFF2-40B4-BE49-F238E27FC236}">
-                <a16:creationId xmlns:a16="http://schemas.microsoft.com/office/drawing/2014/main" id="{6233FCF2-6FE1-4ECE-AD8A-B2897B9E5E42}"/>
+                <a16:creationId xmlns:a16="http://schemas.microsoft.com/office/drawing/2014/main" id="{FFE7E49F-C823-4261-AEE3-D05253540DEB}"/>
               </a:ext>
             </a:extLst>
           </p:cNvPr>
@@ -4173,8 +4174,38 @@
           <a:p>
             <a:r>
               <a:rPr lang="en-US" dirty="0"/>
-              <a:t>Results</a:t>
-            </a:r>
+              <a:t>Design</a:t>
+            </a:r>
+          </a:p>
+        </p:txBody>
+      </p:sp>
+      <p:sp>
+        <p:nvSpPr>
+          <p:cNvPr id="3" name="Content Placeholder 2">
+            <a:extLst>
+              <a:ext uri="{FF2B5EF4-FFF2-40B4-BE49-F238E27FC236}">
+                <a16:creationId xmlns:a16="http://schemas.microsoft.com/office/drawing/2014/main" id="{16F7FDF8-E5FF-4F85-9580-54C4CA506F1C}"/>
+              </a:ext>
+            </a:extLst>
+          </p:cNvPr>
+          <p:cNvSpPr>
+            <a:spLocks noGrp="1"/>
+          </p:cNvSpPr>
+          <p:nvPr>
+            <p:ph idx="1"/>
+          </p:nvPr>
+        </p:nvSpPr>
+        <p:spPr/>
+        <p:txBody>
+          <a:bodyPr>
+            <a:normAutofit/>
+          </a:bodyPr>
+          <a:lstStyle/>
+          <a:p>
+            <a:endParaRPr lang="en-US" dirty="0"/>
+          </a:p>
+          <a:p>
+            <a:endParaRPr lang="en-US" dirty="0"/>
           </a:p>
         </p:txBody>
       </p:sp>
@@ -4183,7 +4214,7 @@
           <p:cNvPr id="4" name="Date Placeholder 3">
             <a:extLst>
               <a:ext uri="{FF2B5EF4-FFF2-40B4-BE49-F238E27FC236}">
-                <a16:creationId xmlns:a16="http://schemas.microsoft.com/office/drawing/2014/main" id="{9AD43A01-AD9D-4627-823F-C225EA454168}"/>
+                <a16:creationId xmlns:a16="http://schemas.microsoft.com/office/drawing/2014/main" id="{805099E5-E29F-4A9E-8833-A4B3CA69E173}"/>
               </a:ext>
             </a:extLst>
           </p:cNvPr>
@@ -4212,7 +4243,7 @@
           <p:cNvPr id="5" name="Footer Placeholder 4">
             <a:extLst>
               <a:ext uri="{FF2B5EF4-FFF2-40B4-BE49-F238E27FC236}">
-                <a16:creationId xmlns:a16="http://schemas.microsoft.com/office/drawing/2014/main" id="{05DABA1B-2192-42D8-A17C-71D8C91B26E3}"/>
+                <a16:creationId xmlns:a16="http://schemas.microsoft.com/office/drawing/2014/main" id="{8FC62732-EA19-4F53-B6E0-4AA06BE7DF78}"/>
               </a:ext>
             </a:extLst>
           </p:cNvPr>
@@ -4244,7 +4275,7 @@
           <p:cNvPr id="6" name="Slide Number Placeholder 5">
             <a:extLst>
               <a:ext uri="{FF2B5EF4-FFF2-40B4-BE49-F238E27FC236}">
-                <a16:creationId xmlns:a16="http://schemas.microsoft.com/office/drawing/2014/main" id="{A963AC1E-C79B-40C6-85A6-572A0AEC2653}"/>
+                <a16:creationId xmlns:a16="http://schemas.microsoft.com/office/drawing/2014/main" id="{7F158E19-CC33-43D0-B131-E8FB402479BC}"/>
               </a:ext>
             </a:extLst>
           </p:cNvPr>
@@ -4264,6 +4295,226 @@
               <a:rPr lang="en-US" smtClean="0"/>
               <a:pPr/>
               <a:t>10</a:t>
+            </a:fld>
+            <a:endParaRPr lang="en-US"/>
+          </a:p>
+        </p:txBody>
+      </p:sp>
+      <p:pic>
+        <p:nvPicPr>
+          <p:cNvPr id="8" name="Picture 7">
+            <a:extLst>
+              <a:ext uri="{FF2B5EF4-FFF2-40B4-BE49-F238E27FC236}">
+                <a16:creationId xmlns:a16="http://schemas.microsoft.com/office/drawing/2014/main" id="{940CBFFE-D19E-4B18-9D4C-90C89633DE57}"/>
+              </a:ext>
+            </a:extLst>
+          </p:cNvPr>
+          <p:cNvPicPr>
+            <a:picLocks noChangeAspect="1"/>
+          </p:cNvPicPr>
+          <p:nvPr/>
+        </p:nvPicPr>
+        <p:blipFill>
+          <a:blip r:embed="rId2">
+            <a:extLst>
+              <a:ext uri="{28A0092B-C50C-407E-A947-70E740481C1C}">
+                <a14:useLocalDpi xmlns:a14="http://schemas.microsoft.com/office/drawing/2010/main" val="0"/>
+              </a:ext>
+            </a:extLst>
+          </a:blip>
+          <a:stretch>
+            <a:fillRect/>
+          </a:stretch>
+        </p:blipFill>
+        <p:spPr>
+          <a:xfrm>
+            <a:off x="3078948" y="1619902"/>
+            <a:ext cx="5499652" cy="3973545"/>
+          </a:xfrm>
+          <a:prstGeom prst="rect">
+            <a:avLst/>
+          </a:prstGeom>
+        </p:spPr>
+      </p:pic>
+      <p:sp>
+        <p:nvSpPr>
+          <p:cNvPr id="9" name="TextBox 8">
+            <a:extLst>
+              <a:ext uri="{FF2B5EF4-FFF2-40B4-BE49-F238E27FC236}">
+                <a16:creationId xmlns:a16="http://schemas.microsoft.com/office/drawing/2014/main" id="{2CD9B58D-8852-42A1-ACF1-C203A5074256}"/>
+              </a:ext>
+            </a:extLst>
+          </p:cNvPr>
+          <p:cNvSpPr txBox="1"/>
+          <p:nvPr/>
+        </p:nvSpPr>
+        <p:spPr>
+          <a:xfrm>
+            <a:off x="4778423" y="5850492"/>
+            <a:ext cx="2100703" cy="369332"/>
+          </a:xfrm>
+          <a:prstGeom prst="rect">
+            <a:avLst/>
+          </a:prstGeom>
+          <a:noFill/>
+        </p:spPr>
+        <p:txBody>
+          <a:bodyPr wrap="none" rtlCol="0">
+            <a:spAutoFit/>
+          </a:bodyPr>
+          <a:lstStyle/>
+          <a:p>
+            <a:r>
+              <a:rPr lang="en-US" b="1" dirty="0"/>
+              <a:t>System Architecture</a:t>
+            </a:r>
+          </a:p>
+        </p:txBody>
+      </p:sp>
+    </p:spTree>
+    <p:extLst>
+      <p:ext uri="{BB962C8B-B14F-4D97-AF65-F5344CB8AC3E}">
+        <p14:creationId xmlns:p14="http://schemas.microsoft.com/office/powerpoint/2010/main" val="3882784231"/>
+      </p:ext>
+    </p:extLst>
+  </p:cSld>
+  <p:clrMapOvr>
+    <a:masterClrMapping/>
+  </p:clrMapOvr>
+</p:sld>
+</file>
+
+<file path=ppt/slides/slide11.xml><?xml version="1.0" encoding="utf-8"?>
+<p:sld xmlns:a="http://schemas.openxmlformats.org/drawingml/2006/main" xmlns:r="http://schemas.openxmlformats.org/officeDocument/2006/relationships" xmlns:p="http://schemas.openxmlformats.org/presentationml/2006/main">
+  <p:cSld>
+    <p:spTree>
+      <p:nvGrpSpPr>
+        <p:cNvPr id="1" name=""/>
+        <p:cNvGrpSpPr/>
+        <p:nvPr/>
+      </p:nvGrpSpPr>
+      <p:grpSpPr>
+        <a:xfrm>
+          <a:off x="0" y="0"/>
+          <a:ext cx="0" cy="0"/>
+          <a:chOff x="0" y="0"/>
+          <a:chExt cx="0" cy="0"/>
+        </a:xfrm>
+      </p:grpSpPr>
+      <p:sp>
+        <p:nvSpPr>
+          <p:cNvPr id="2" name="Title 1">
+            <a:extLst>
+              <a:ext uri="{FF2B5EF4-FFF2-40B4-BE49-F238E27FC236}">
+                <a16:creationId xmlns:a16="http://schemas.microsoft.com/office/drawing/2014/main" id="{6233FCF2-6FE1-4ECE-AD8A-B2897B9E5E42}"/>
+              </a:ext>
+            </a:extLst>
+          </p:cNvPr>
+          <p:cNvSpPr>
+            <a:spLocks noGrp="1"/>
+          </p:cNvSpPr>
+          <p:nvPr>
+            <p:ph type="title"/>
+          </p:nvPr>
+        </p:nvSpPr>
+        <p:spPr/>
+        <p:txBody>
+          <a:bodyPr/>
+          <a:lstStyle/>
+          <a:p>
+            <a:r>
+              <a:rPr lang="en-US" dirty="0"/>
+              <a:t>Results</a:t>
+            </a:r>
+          </a:p>
+        </p:txBody>
+      </p:sp>
+      <p:sp>
+        <p:nvSpPr>
+          <p:cNvPr id="4" name="Date Placeholder 3">
+            <a:extLst>
+              <a:ext uri="{FF2B5EF4-FFF2-40B4-BE49-F238E27FC236}">
+                <a16:creationId xmlns:a16="http://schemas.microsoft.com/office/drawing/2014/main" id="{9AD43A01-AD9D-4627-823F-C225EA454168}"/>
+              </a:ext>
+            </a:extLst>
+          </p:cNvPr>
+          <p:cNvSpPr>
+            <a:spLocks noGrp="1"/>
+          </p:cNvSpPr>
+          <p:nvPr>
+            <p:ph type="dt" sz="half" idx="10"/>
+          </p:nvPr>
+        </p:nvSpPr>
+        <p:spPr/>
+        <p:txBody>
+          <a:bodyPr/>
+          <a:lstStyle/>
+          <a:p>
+            <a:fld id="{7C74E16E-276E-4A81-B0E2-E2AC71D00D27}" type="datetime1">
+              <a:rPr lang="en-US" smtClean="0"/>
+              <a:t>6/24/2020</a:t>
+            </a:fld>
+            <a:endParaRPr lang="en-US"/>
+          </a:p>
+        </p:txBody>
+      </p:sp>
+      <p:sp>
+        <p:nvSpPr>
+          <p:cNvPr id="5" name="Footer Placeholder 4">
+            <a:extLst>
+              <a:ext uri="{FF2B5EF4-FFF2-40B4-BE49-F238E27FC236}">
+                <a16:creationId xmlns:a16="http://schemas.microsoft.com/office/drawing/2014/main" id="{05DABA1B-2192-42D8-A17C-71D8C91B26E3}"/>
+              </a:ext>
+            </a:extLst>
+          </p:cNvPr>
+          <p:cNvSpPr>
+            <a:spLocks noGrp="1"/>
+          </p:cNvSpPr>
+          <p:nvPr>
+            <p:ph type="ftr" sz="quarter" idx="11"/>
+          </p:nvPr>
+        </p:nvSpPr>
+        <p:spPr/>
+        <p:txBody>
+          <a:bodyPr/>
+          <a:lstStyle/>
+          <a:p>
+            <a:r>
+              <a:rPr lang="en-US" dirty="0" err="1"/>
+              <a:t>CarPool</a:t>
+            </a:r>
+            <a:r>
+              <a:rPr lang="en-US" dirty="0"/>
+              <a:t> Application</a:t>
+            </a:r>
+          </a:p>
+        </p:txBody>
+      </p:sp>
+      <p:sp>
+        <p:nvSpPr>
+          <p:cNvPr id="6" name="Slide Number Placeholder 5">
+            <a:extLst>
+              <a:ext uri="{FF2B5EF4-FFF2-40B4-BE49-F238E27FC236}">
+                <a16:creationId xmlns:a16="http://schemas.microsoft.com/office/drawing/2014/main" id="{A963AC1E-C79B-40C6-85A6-572A0AEC2653}"/>
+              </a:ext>
+            </a:extLst>
+          </p:cNvPr>
+          <p:cNvSpPr>
+            <a:spLocks noGrp="1"/>
+          </p:cNvSpPr>
+          <p:nvPr>
+            <p:ph type="sldNum" sz="quarter" idx="12"/>
+          </p:nvPr>
+        </p:nvSpPr>
+        <p:spPr/>
+        <p:txBody>
+          <a:bodyPr/>
+          <a:lstStyle/>
+          <a:p>
+            <a:fld id="{915BDA96-C5F5-450C-BF38-5712401658A1}" type="slidenum">
+              <a:rPr lang="en-US" smtClean="0"/>
+              <a:pPr/>
+              <a:t>11</a:t>
             </a:fld>
             <a:endParaRPr lang="en-US"/>
           </a:p>
@@ -4558,7 +4809,7 @@
 </p:sld>
 </file>
 
-<file path=ppt/slides/slide11.xml><?xml version="1.0" encoding="utf-8"?>
+<file path=ppt/slides/slide12.xml><?xml version="1.0" encoding="utf-8"?>
 <p:sld xmlns:a="http://schemas.openxmlformats.org/drawingml/2006/main" xmlns:r="http://schemas.openxmlformats.org/officeDocument/2006/relationships" xmlns:p="http://schemas.openxmlformats.org/presentationml/2006/main">
   <p:cSld>
     <p:spTree>
@@ -4688,7 +4939,7 @@
             <a:fld id="{915BDA96-C5F5-450C-BF38-5712401658A1}" type="slidenum">
               <a:rPr lang="en-US" smtClean="0"/>
               <a:pPr/>
-              <a:t>11</a:t>
+              <a:t>12</a:t>
             </a:fld>
             <a:endParaRPr lang="en-US"/>
           </a:p>
@@ -4982,7 +5233,7 @@
 </p:sld>
 </file>
 
-<file path=ppt/slides/slide12.xml><?xml version="1.0" encoding="utf-8"?>
+<file path=ppt/slides/slide13.xml><?xml version="1.0" encoding="utf-8"?>
 <p:sld xmlns:a="http://schemas.openxmlformats.org/drawingml/2006/main" xmlns:r="http://schemas.openxmlformats.org/officeDocument/2006/relationships" xmlns:p="http://schemas.openxmlformats.org/presentationml/2006/main">
   <p:cSld>
     <p:spTree>
@@ -5112,7 +5363,7 @@
             <a:fld id="{915BDA96-C5F5-450C-BF38-5712401658A1}" type="slidenum">
               <a:rPr lang="en-US" smtClean="0"/>
               <a:pPr/>
-              <a:t>12</a:t>
+              <a:t>13</a:t>
             </a:fld>
             <a:endParaRPr lang="en-US"/>
           </a:p>
@@ -5406,7 +5657,7 @@
 </p:sld>
 </file>
 
-<file path=ppt/slides/slide13.xml><?xml version="1.0" encoding="utf-8"?>
+<file path=ppt/slides/slide14.xml><?xml version="1.0" encoding="utf-8"?>
 <p:sld xmlns:a="http://schemas.openxmlformats.org/drawingml/2006/main" xmlns:r="http://schemas.openxmlformats.org/officeDocument/2006/relationships" xmlns:p="http://schemas.openxmlformats.org/presentationml/2006/main">
   <p:cSld>
     <p:spTree>
@@ -5536,7 +5787,7 @@
             <a:fld id="{915BDA96-C5F5-450C-BF38-5712401658A1}" type="slidenum">
               <a:rPr lang="en-US" smtClean="0"/>
               <a:pPr/>
-              <a:t>13</a:t>
+              <a:t>14</a:t>
             </a:fld>
             <a:endParaRPr lang="en-US"/>
           </a:p>
@@ -5830,230 +6081,6 @@
 </p:sld>
 </file>
 
-<file path=ppt/slides/slide14.xml><?xml version="1.0" encoding="utf-8"?>
-<p:sld xmlns:a="http://schemas.openxmlformats.org/drawingml/2006/main" xmlns:r="http://schemas.openxmlformats.org/officeDocument/2006/relationships" xmlns:p="http://schemas.openxmlformats.org/presentationml/2006/main">
-  <p:cSld>
-    <p:spTree>
-      <p:nvGrpSpPr>
-        <p:cNvPr id="1" name=""/>
-        <p:cNvGrpSpPr/>
-        <p:nvPr/>
-      </p:nvGrpSpPr>
-      <p:grpSpPr>
-        <a:xfrm>
-          <a:off x="0" y="0"/>
-          <a:ext cx="0" cy="0"/>
-          <a:chOff x="0" y="0"/>
-          <a:chExt cx="0" cy="0"/>
-        </a:xfrm>
-      </p:grpSpPr>
-      <p:sp>
-        <p:nvSpPr>
-          <p:cNvPr id="2" name="Title 1">
-            <a:extLst>
-              <a:ext uri="{FF2B5EF4-FFF2-40B4-BE49-F238E27FC236}">
-                <a16:creationId xmlns:a16="http://schemas.microsoft.com/office/drawing/2014/main" id="{6233FCF2-6FE1-4ECE-AD8A-B2897B9E5E42}"/>
-              </a:ext>
-            </a:extLst>
-          </p:cNvPr>
-          <p:cNvSpPr>
-            <a:spLocks noGrp="1"/>
-          </p:cNvSpPr>
-          <p:nvPr>
-            <p:ph type="title"/>
-          </p:nvPr>
-        </p:nvSpPr>
-        <p:spPr/>
-        <p:txBody>
-          <a:bodyPr/>
-          <a:lstStyle/>
-          <a:p>
-            <a:r>
-              <a:rPr lang="en-US" dirty="0"/>
-              <a:t> Testing</a:t>
-            </a:r>
-          </a:p>
-        </p:txBody>
-      </p:sp>
-      <p:sp>
-        <p:nvSpPr>
-          <p:cNvPr id="3" name="Content Placeholder 2">
-            <a:extLst>
-              <a:ext uri="{FF2B5EF4-FFF2-40B4-BE49-F238E27FC236}">
-                <a16:creationId xmlns:a16="http://schemas.microsoft.com/office/drawing/2014/main" id="{D51EDF5C-4BAB-4CAF-A9FE-E5F72CAFA55C}"/>
-              </a:ext>
-            </a:extLst>
-          </p:cNvPr>
-          <p:cNvSpPr>
-            <a:spLocks noGrp="1"/>
-          </p:cNvSpPr>
-          <p:nvPr>
-            <p:ph idx="1"/>
-          </p:nvPr>
-        </p:nvSpPr>
-        <p:spPr/>
-        <p:txBody>
-          <a:bodyPr/>
-          <a:lstStyle/>
-          <a:p>
-            <a:r>
-              <a:rPr lang="en-US" dirty="0"/>
-              <a:t>Graphical user interface testing</a:t>
-            </a:r>
-          </a:p>
-          <a:p>
-            <a:pPr lvl="1"/>
-            <a:r>
-              <a:rPr lang="en-US" dirty="0"/>
-              <a:t>User interface testing</a:t>
-            </a:r>
-          </a:p>
-          <a:p>
-            <a:pPr lvl="1"/>
-            <a:r>
-              <a:rPr lang="en-US" dirty="0"/>
-              <a:t>Usability Testing</a:t>
-            </a:r>
-          </a:p>
-          <a:p>
-            <a:r>
-              <a:rPr lang="en-US" dirty="0"/>
-              <a:t>Software performance testing</a:t>
-            </a:r>
-          </a:p>
-          <a:p>
-            <a:r>
-              <a:rPr lang="en-US" dirty="0"/>
-              <a:t>Compatibility testing</a:t>
-            </a:r>
-          </a:p>
-          <a:p>
-            <a:r>
-              <a:rPr lang="en-US" dirty="0"/>
-              <a:t>Exception handling</a:t>
-            </a:r>
-          </a:p>
-          <a:p>
-            <a:r>
-              <a:rPr lang="en-US" dirty="0"/>
-              <a:t>Security testing</a:t>
-            </a:r>
-          </a:p>
-          <a:p>
-            <a:r>
-              <a:rPr lang="en-US" dirty="0"/>
-              <a:t>Installation testing</a:t>
-            </a:r>
-          </a:p>
-          <a:p>
-            <a:endParaRPr lang="en-US" dirty="0"/>
-          </a:p>
-        </p:txBody>
-      </p:sp>
-      <p:sp>
-        <p:nvSpPr>
-          <p:cNvPr id="4" name="Date Placeholder 3">
-            <a:extLst>
-              <a:ext uri="{FF2B5EF4-FFF2-40B4-BE49-F238E27FC236}">
-                <a16:creationId xmlns:a16="http://schemas.microsoft.com/office/drawing/2014/main" id="{9AD43A01-AD9D-4627-823F-C225EA454168}"/>
-              </a:ext>
-            </a:extLst>
-          </p:cNvPr>
-          <p:cNvSpPr>
-            <a:spLocks noGrp="1"/>
-          </p:cNvSpPr>
-          <p:nvPr>
-            <p:ph type="dt" sz="half" idx="10"/>
-          </p:nvPr>
-        </p:nvSpPr>
-        <p:spPr/>
-        <p:txBody>
-          <a:bodyPr/>
-          <a:lstStyle/>
-          <a:p>
-            <a:fld id="{7C74E16E-276E-4A81-B0E2-E2AC71D00D27}" type="datetime1">
-              <a:rPr lang="en-US" smtClean="0"/>
-              <a:t>6/24/2020</a:t>
-            </a:fld>
-            <a:endParaRPr lang="en-US"/>
-          </a:p>
-        </p:txBody>
-      </p:sp>
-      <p:sp>
-        <p:nvSpPr>
-          <p:cNvPr id="5" name="Footer Placeholder 4">
-            <a:extLst>
-              <a:ext uri="{FF2B5EF4-FFF2-40B4-BE49-F238E27FC236}">
-                <a16:creationId xmlns:a16="http://schemas.microsoft.com/office/drawing/2014/main" id="{05DABA1B-2192-42D8-A17C-71D8C91B26E3}"/>
-              </a:ext>
-            </a:extLst>
-          </p:cNvPr>
-          <p:cNvSpPr>
-            <a:spLocks noGrp="1"/>
-          </p:cNvSpPr>
-          <p:nvPr>
-            <p:ph type="ftr" sz="quarter" idx="11"/>
-          </p:nvPr>
-        </p:nvSpPr>
-        <p:spPr/>
-        <p:txBody>
-          <a:bodyPr/>
-          <a:lstStyle/>
-          <a:p>
-            <a:r>
-              <a:rPr lang="en-US" dirty="0" err="1"/>
-              <a:t>CarPool</a:t>
-            </a:r>
-            <a:r>
-              <a:rPr lang="en-US" dirty="0"/>
-              <a:t> Application</a:t>
-            </a:r>
-          </a:p>
-        </p:txBody>
-      </p:sp>
-      <p:sp>
-        <p:nvSpPr>
-          <p:cNvPr id="6" name="Slide Number Placeholder 5">
-            <a:extLst>
-              <a:ext uri="{FF2B5EF4-FFF2-40B4-BE49-F238E27FC236}">
-                <a16:creationId xmlns:a16="http://schemas.microsoft.com/office/drawing/2014/main" id="{A963AC1E-C79B-40C6-85A6-572A0AEC2653}"/>
-              </a:ext>
-            </a:extLst>
-          </p:cNvPr>
-          <p:cNvSpPr>
-            <a:spLocks noGrp="1"/>
-          </p:cNvSpPr>
-          <p:nvPr>
-            <p:ph type="sldNum" sz="quarter" idx="12"/>
-          </p:nvPr>
-        </p:nvSpPr>
-        <p:spPr/>
-        <p:txBody>
-          <a:bodyPr/>
-          <a:lstStyle/>
-          <a:p>
-            <a:fld id="{915BDA96-C5F5-450C-BF38-5712401658A1}" type="slidenum">
-              <a:rPr lang="en-US" smtClean="0"/>
-              <a:pPr/>
-              <a:t>14</a:t>
-            </a:fld>
-            <a:endParaRPr lang="en-US"/>
-          </a:p>
-        </p:txBody>
-      </p:sp>
-    </p:spTree>
-    <p:extLst>
-      <p:ext uri="{BB962C8B-B14F-4D97-AF65-F5344CB8AC3E}">
-        <p14:creationId xmlns:p14="http://schemas.microsoft.com/office/powerpoint/2010/main" val="3796362524"/>
-      </p:ext>
-    </p:extLst>
-  </p:cSld>
-  <p:clrMapOvr>
-    <a:masterClrMapping/>
-  </p:clrMapOvr>
-</p:sld>
-</file>
-
 <file path=ppt/slides/slide15.xml><?xml version="1.0" encoding="utf-8"?>
 <p:sld xmlns:a="http://schemas.openxmlformats.org/drawingml/2006/main" xmlns:r="http://schemas.openxmlformats.org/officeDocument/2006/relationships" xmlns:p="http://schemas.openxmlformats.org/presentationml/2006/main">
   <p:cSld>
@@ -6094,8 +6121,83 @@
           <a:p>
             <a:r>
               <a:rPr lang="en-US" dirty="0"/>
-              <a:t>User Interface Testing</a:t>
-            </a:r>
+              <a:t> Testing</a:t>
+            </a:r>
+          </a:p>
+        </p:txBody>
+      </p:sp>
+      <p:sp>
+        <p:nvSpPr>
+          <p:cNvPr id="3" name="Content Placeholder 2">
+            <a:extLst>
+              <a:ext uri="{FF2B5EF4-FFF2-40B4-BE49-F238E27FC236}">
+                <a16:creationId xmlns:a16="http://schemas.microsoft.com/office/drawing/2014/main" id="{D51EDF5C-4BAB-4CAF-A9FE-E5F72CAFA55C}"/>
+              </a:ext>
+            </a:extLst>
+          </p:cNvPr>
+          <p:cNvSpPr>
+            <a:spLocks noGrp="1"/>
+          </p:cNvSpPr>
+          <p:nvPr>
+            <p:ph idx="1"/>
+          </p:nvPr>
+        </p:nvSpPr>
+        <p:spPr/>
+        <p:txBody>
+          <a:bodyPr/>
+          <a:lstStyle/>
+          <a:p>
+            <a:r>
+              <a:rPr lang="en-US" dirty="0"/>
+              <a:t>Graphical user interface testing</a:t>
+            </a:r>
+          </a:p>
+          <a:p>
+            <a:pPr lvl="1"/>
+            <a:r>
+              <a:rPr lang="en-US" dirty="0"/>
+              <a:t>User interface testing</a:t>
+            </a:r>
+          </a:p>
+          <a:p>
+            <a:pPr lvl="1"/>
+            <a:r>
+              <a:rPr lang="en-US" dirty="0"/>
+              <a:t>Usability Testing</a:t>
+            </a:r>
+          </a:p>
+          <a:p>
+            <a:r>
+              <a:rPr lang="en-US" dirty="0"/>
+              <a:t>Software performance testing</a:t>
+            </a:r>
+          </a:p>
+          <a:p>
+            <a:r>
+              <a:rPr lang="en-US" dirty="0"/>
+              <a:t>Compatibility testing</a:t>
+            </a:r>
+          </a:p>
+          <a:p>
+            <a:r>
+              <a:rPr lang="en-US" dirty="0"/>
+              <a:t>Exception handling</a:t>
+            </a:r>
+          </a:p>
+          <a:p>
+            <a:r>
+              <a:rPr lang="en-US" dirty="0"/>
+              <a:t>Security testing</a:t>
+            </a:r>
+          </a:p>
+          <a:p>
+            <a:r>
+              <a:rPr lang="en-US" dirty="0"/>
+              <a:t>Installation testing</a:t>
+            </a:r>
+          </a:p>
+          <a:p>
+            <a:endParaRPr lang="en-US" dirty="0"/>
           </a:p>
         </p:txBody>
       </p:sp>
@@ -6190,82 +6292,10 @@
           </a:p>
         </p:txBody>
       </p:sp>
-      <p:sp>
-        <p:nvSpPr>
-          <p:cNvPr id="8" name="Content Placeholder 7">
-            <a:extLst>
-              <a:ext uri="{FF2B5EF4-FFF2-40B4-BE49-F238E27FC236}">
-                <a16:creationId xmlns:a16="http://schemas.microsoft.com/office/drawing/2014/main" id="{66F577A2-FA4F-4581-916D-B1AA34CBCD19}"/>
-              </a:ext>
-            </a:extLst>
-          </p:cNvPr>
-          <p:cNvSpPr>
-            <a:spLocks noGrp="1"/>
-          </p:cNvSpPr>
-          <p:nvPr>
-            <p:ph idx="1"/>
-          </p:nvPr>
-        </p:nvSpPr>
-        <p:spPr/>
-        <p:txBody>
-          <a:bodyPr/>
-          <a:lstStyle/>
-          <a:p>
-            <a:r>
-              <a:rPr lang="en-US" dirty="0"/>
-              <a:t>Check the color and size of buttons on the home screens of different users.</a:t>
-            </a:r>
-          </a:p>
-          <a:p>
-            <a:r>
-              <a:rPr lang="en-US" dirty="0"/>
-              <a:t>Make sure that icons pixels won’t fall when the app would be opened on different screen sizes.</a:t>
-            </a:r>
-          </a:p>
-          <a:p>
-            <a:pPr fontAlgn="t"/>
-            <a:r>
-              <a:rPr lang="en-US" dirty="0"/>
-              <a:t>Ensure the ripple effect working on all buttons.</a:t>
-            </a:r>
-          </a:p>
-          <a:p>
-            <a:pPr fontAlgn="t"/>
-            <a:r>
-              <a:rPr lang="en-US" dirty="0"/>
-              <a:t>Is text visible on smaller screens?</a:t>
-            </a:r>
-          </a:p>
-          <a:p>
-            <a:pPr fontAlgn="t"/>
-            <a:r>
-              <a:rPr lang="en-US" dirty="0"/>
-              <a:t>Buttons must be separated by some distance so the user won’t press the wrong button.</a:t>
-            </a:r>
-          </a:p>
-          <a:p>
-            <a:endParaRPr lang="en-US" sz="2000" dirty="0">
-              <a:latin typeface="Times New Roman" panose="02020603050405020304" pitchFamily="18" charset="0"/>
-              <a:ea typeface="Times New Roman" panose="02020603050405020304" pitchFamily="18" charset="0"/>
-              <a:cs typeface="Arial" panose="020B0604020202020204" pitchFamily="34" charset="0"/>
-            </a:endParaRPr>
-          </a:p>
-          <a:p>
-            <a:endParaRPr lang="en-US" sz="2400" dirty="0">
-              <a:latin typeface="Times New Roman" panose="02020603050405020304" pitchFamily="18" charset="0"/>
-              <a:ea typeface="Times New Roman" panose="02020603050405020304" pitchFamily="18" charset="0"/>
-              <a:cs typeface="Arial" panose="020B0604020202020204" pitchFamily="34" charset="0"/>
-            </a:endParaRPr>
-          </a:p>
-          <a:p>
-            <a:endParaRPr lang="en-US" dirty="0"/>
-          </a:p>
-        </p:txBody>
-      </p:sp>
     </p:spTree>
     <p:extLst>
       <p:ext uri="{BB962C8B-B14F-4D97-AF65-F5344CB8AC3E}">
-        <p14:creationId xmlns:p14="http://schemas.microsoft.com/office/powerpoint/2010/main" val="1995592600"/>
+        <p14:creationId xmlns:p14="http://schemas.microsoft.com/office/powerpoint/2010/main" val="3796362524"/>
       </p:ext>
     </p:extLst>
   </p:cSld>
@@ -6315,7 +6345,7 @@
           <a:p>
             <a:r>
               <a:rPr lang="en-US" dirty="0"/>
-              <a:t>Usability Testing</a:t>
+              <a:t>User Interface Testing</a:t>
             </a:r>
           </a:p>
         </p:txBody>
@@ -6406,6 +6436,227 @@
               <a:rPr lang="en-US" smtClean="0"/>
               <a:pPr/>
               <a:t>16</a:t>
+            </a:fld>
+            <a:endParaRPr lang="en-US"/>
+          </a:p>
+        </p:txBody>
+      </p:sp>
+      <p:sp>
+        <p:nvSpPr>
+          <p:cNvPr id="8" name="Content Placeholder 7">
+            <a:extLst>
+              <a:ext uri="{FF2B5EF4-FFF2-40B4-BE49-F238E27FC236}">
+                <a16:creationId xmlns:a16="http://schemas.microsoft.com/office/drawing/2014/main" id="{66F577A2-FA4F-4581-916D-B1AA34CBCD19}"/>
+              </a:ext>
+            </a:extLst>
+          </p:cNvPr>
+          <p:cNvSpPr>
+            <a:spLocks noGrp="1"/>
+          </p:cNvSpPr>
+          <p:nvPr>
+            <p:ph idx="1"/>
+          </p:nvPr>
+        </p:nvSpPr>
+        <p:spPr/>
+        <p:txBody>
+          <a:bodyPr/>
+          <a:lstStyle/>
+          <a:p>
+            <a:r>
+              <a:rPr lang="en-US" dirty="0"/>
+              <a:t>Check the color and size of buttons on the home screens of different users.</a:t>
+            </a:r>
+          </a:p>
+          <a:p>
+            <a:r>
+              <a:rPr lang="en-US" dirty="0"/>
+              <a:t>Make sure that icons pixels won’t fall when the app would be opened on different screen sizes.</a:t>
+            </a:r>
+          </a:p>
+          <a:p>
+            <a:pPr fontAlgn="t"/>
+            <a:r>
+              <a:rPr lang="en-US" dirty="0"/>
+              <a:t>Ensure the ripple effect working on all buttons.</a:t>
+            </a:r>
+          </a:p>
+          <a:p>
+            <a:pPr fontAlgn="t"/>
+            <a:r>
+              <a:rPr lang="en-US" dirty="0"/>
+              <a:t>Is text visible on smaller screens?</a:t>
+            </a:r>
+          </a:p>
+          <a:p>
+            <a:pPr fontAlgn="t"/>
+            <a:r>
+              <a:rPr lang="en-US" dirty="0"/>
+              <a:t>Buttons must be separated by some distance so the user won’t press the wrong button.</a:t>
+            </a:r>
+          </a:p>
+          <a:p>
+            <a:endParaRPr lang="en-US" sz="2000" dirty="0">
+              <a:latin typeface="Times New Roman" panose="02020603050405020304" pitchFamily="18" charset="0"/>
+              <a:ea typeface="Times New Roman" panose="02020603050405020304" pitchFamily="18" charset="0"/>
+              <a:cs typeface="Arial" panose="020B0604020202020204" pitchFamily="34" charset="0"/>
+            </a:endParaRPr>
+          </a:p>
+          <a:p>
+            <a:endParaRPr lang="en-US" sz="2400" dirty="0">
+              <a:latin typeface="Times New Roman" panose="02020603050405020304" pitchFamily="18" charset="0"/>
+              <a:ea typeface="Times New Roman" panose="02020603050405020304" pitchFamily="18" charset="0"/>
+              <a:cs typeface="Arial" panose="020B0604020202020204" pitchFamily="34" charset="0"/>
+            </a:endParaRPr>
+          </a:p>
+          <a:p>
+            <a:endParaRPr lang="en-US" dirty="0"/>
+          </a:p>
+        </p:txBody>
+      </p:sp>
+    </p:spTree>
+    <p:extLst>
+      <p:ext uri="{BB962C8B-B14F-4D97-AF65-F5344CB8AC3E}">
+        <p14:creationId xmlns:p14="http://schemas.microsoft.com/office/powerpoint/2010/main" val="1995592600"/>
+      </p:ext>
+    </p:extLst>
+  </p:cSld>
+  <p:clrMapOvr>
+    <a:masterClrMapping/>
+  </p:clrMapOvr>
+</p:sld>
+</file>
+
+<file path=ppt/slides/slide17.xml><?xml version="1.0" encoding="utf-8"?>
+<p:sld xmlns:a="http://schemas.openxmlformats.org/drawingml/2006/main" xmlns:r="http://schemas.openxmlformats.org/officeDocument/2006/relationships" xmlns:p="http://schemas.openxmlformats.org/presentationml/2006/main">
+  <p:cSld>
+    <p:spTree>
+      <p:nvGrpSpPr>
+        <p:cNvPr id="1" name=""/>
+        <p:cNvGrpSpPr/>
+        <p:nvPr/>
+      </p:nvGrpSpPr>
+      <p:grpSpPr>
+        <a:xfrm>
+          <a:off x="0" y="0"/>
+          <a:ext cx="0" cy="0"/>
+          <a:chOff x="0" y="0"/>
+          <a:chExt cx="0" cy="0"/>
+        </a:xfrm>
+      </p:grpSpPr>
+      <p:sp>
+        <p:nvSpPr>
+          <p:cNvPr id="2" name="Title 1">
+            <a:extLst>
+              <a:ext uri="{FF2B5EF4-FFF2-40B4-BE49-F238E27FC236}">
+                <a16:creationId xmlns:a16="http://schemas.microsoft.com/office/drawing/2014/main" id="{6233FCF2-6FE1-4ECE-AD8A-B2897B9E5E42}"/>
+              </a:ext>
+            </a:extLst>
+          </p:cNvPr>
+          <p:cNvSpPr>
+            <a:spLocks noGrp="1"/>
+          </p:cNvSpPr>
+          <p:nvPr>
+            <p:ph type="title"/>
+          </p:nvPr>
+        </p:nvSpPr>
+        <p:spPr/>
+        <p:txBody>
+          <a:bodyPr/>
+          <a:lstStyle/>
+          <a:p>
+            <a:r>
+              <a:rPr lang="en-US" dirty="0"/>
+              <a:t>Usability Testing</a:t>
+            </a:r>
+          </a:p>
+        </p:txBody>
+      </p:sp>
+      <p:sp>
+        <p:nvSpPr>
+          <p:cNvPr id="4" name="Date Placeholder 3">
+            <a:extLst>
+              <a:ext uri="{FF2B5EF4-FFF2-40B4-BE49-F238E27FC236}">
+                <a16:creationId xmlns:a16="http://schemas.microsoft.com/office/drawing/2014/main" id="{9AD43A01-AD9D-4627-823F-C225EA454168}"/>
+              </a:ext>
+            </a:extLst>
+          </p:cNvPr>
+          <p:cNvSpPr>
+            <a:spLocks noGrp="1"/>
+          </p:cNvSpPr>
+          <p:nvPr>
+            <p:ph type="dt" sz="half" idx="10"/>
+          </p:nvPr>
+        </p:nvSpPr>
+        <p:spPr/>
+        <p:txBody>
+          <a:bodyPr/>
+          <a:lstStyle/>
+          <a:p>
+            <a:fld id="{7C74E16E-276E-4A81-B0E2-E2AC71D00D27}" type="datetime1">
+              <a:rPr lang="en-US" smtClean="0"/>
+              <a:t>6/24/2020</a:t>
+            </a:fld>
+            <a:endParaRPr lang="en-US"/>
+          </a:p>
+        </p:txBody>
+      </p:sp>
+      <p:sp>
+        <p:nvSpPr>
+          <p:cNvPr id="5" name="Footer Placeholder 4">
+            <a:extLst>
+              <a:ext uri="{FF2B5EF4-FFF2-40B4-BE49-F238E27FC236}">
+                <a16:creationId xmlns:a16="http://schemas.microsoft.com/office/drawing/2014/main" id="{05DABA1B-2192-42D8-A17C-71D8C91B26E3}"/>
+              </a:ext>
+            </a:extLst>
+          </p:cNvPr>
+          <p:cNvSpPr>
+            <a:spLocks noGrp="1"/>
+          </p:cNvSpPr>
+          <p:nvPr>
+            <p:ph type="ftr" sz="quarter" idx="11"/>
+          </p:nvPr>
+        </p:nvSpPr>
+        <p:spPr/>
+        <p:txBody>
+          <a:bodyPr/>
+          <a:lstStyle/>
+          <a:p>
+            <a:r>
+              <a:rPr lang="en-US" dirty="0" err="1"/>
+              <a:t>CarPool</a:t>
+            </a:r>
+            <a:r>
+              <a:rPr lang="en-US" dirty="0"/>
+              <a:t> Application</a:t>
+            </a:r>
+          </a:p>
+        </p:txBody>
+      </p:sp>
+      <p:sp>
+        <p:nvSpPr>
+          <p:cNvPr id="6" name="Slide Number Placeholder 5">
+            <a:extLst>
+              <a:ext uri="{FF2B5EF4-FFF2-40B4-BE49-F238E27FC236}">
+                <a16:creationId xmlns:a16="http://schemas.microsoft.com/office/drawing/2014/main" id="{A963AC1E-C79B-40C6-85A6-572A0AEC2653}"/>
+              </a:ext>
+            </a:extLst>
+          </p:cNvPr>
+          <p:cNvSpPr>
+            <a:spLocks noGrp="1"/>
+          </p:cNvSpPr>
+          <p:nvPr>
+            <p:ph type="sldNum" sz="quarter" idx="12"/>
+          </p:nvPr>
+        </p:nvSpPr>
+        <p:spPr/>
+        <p:txBody>
+          <a:bodyPr/>
+          <a:lstStyle/>
+          <a:p>
+            <a:fld id="{915BDA96-C5F5-450C-BF38-5712401658A1}" type="slidenum">
+              <a:rPr lang="en-US" smtClean="0"/>
+              <a:pPr/>
+              <a:t>17</a:t>
             </a:fld>
             <a:endParaRPr lang="en-US"/>
           </a:p>
@@ -6702,7 +6953,7 @@
 </p:sld>
 </file>
 
-<file path=ppt/slides/slide17.xml><?xml version="1.0" encoding="utf-8"?>
+<file path=ppt/slides/slide18.xml><?xml version="1.0" encoding="utf-8"?>
 <p:sld xmlns:a="http://schemas.openxmlformats.org/drawingml/2006/main" xmlns:r="http://schemas.openxmlformats.org/officeDocument/2006/relationships" xmlns:p="http://schemas.openxmlformats.org/presentationml/2006/main">
   <p:cSld>
     <p:spTree>
@@ -6832,7 +7083,7 @@
             <a:fld id="{915BDA96-C5F5-450C-BF38-5712401658A1}" type="slidenum">
               <a:rPr lang="en-US" smtClean="0"/>
               <a:pPr/>
-              <a:t>17</a:t>
+              <a:t>18</a:t>
             </a:fld>
             <a:endParaRPr lang="en-US"/>
           </a:p>
@@ -7033,7 +7284,7 @@
 </p:sld>
 </file>
 
-<file path=ppt/slides/slide18.xml><?xml version="1.0" encoding="utf-8"?>
+<file path=ppt/slides/slide19.xml><?xml version="1.0" encoding="utf-8"?>
 <p:sld xmlns:a="http://schemas.openxmlformats.org/drawingml/2006/main" xmlns:r="http://schemas.openxmlformats.org/officeDocument/2006/relationships" xmlns:p="http://schemas.openxmlformats.org/presentationml/2006/main">
   <p:cSld>
     <p:spTree>
@@ -7163,7 +7414,7 @@
             <a:fld id="{915BDA96-C5F5-450C-BF38-5712401658A1}" type="slidenum">
               <a:rPr lang="en-US" smtClean="0"/>
               <a:pPr/>
-              <a:t>18</a:t>
+              <a:t>19</a:t>
             </a:fld>
             <a:endParaRPr lang="en-US"/>
           </a:p>
@@ -7355,365 +7606,6 @@
     <p:extLst>
       <p:ext uri="{BB962C8B-B14F-4D97-AF65-F5344CB8AC3E}">
         <p14:creationId xmlns:p14="http://schemas.microsoft.com/office/powerpoint/2010/main" val="313910775"/>
-      </p:ext>
-    </p:extLst>
-  </p:cSld>
-  <p:clrMapOvr>
-    <a:masterClrMapping/>
-  </p:clrMapOvr>
-</p:sld>
-</file>
-
-<file path=ppt/slides/slide19.xml><?xml version="1.0" encoding="utf-8"?>
-<p:sld xmlns:a="http://schemas.openxmlformats.org/drawingml/2006/main" xmlns:r="http://schemas.openxmlformats.org/officeDocument/2006/relationships" xmlns:p="http://schemas.openxmlformats.org/presentationml/2006/main">
-  <p:cSld>
-    <p:spTree>
-      <p:nvGrpSpPr>
-        <p:cNvPr id="1" name=""/>
-        <p:cNvGrpSpPr/>
-        <p:nvPr/>
-      </p:nvGrpSpPr>
-      <p:grpSpPr>
-        <a:xfrm>
-          <a:off x="0" y="0"/>
-          <a:ext cx="0" cy="0"/>
-          <a:chOff x="0" y="0"/>
-          <a:chExt cx="0" cy="0"/>
-        </a:xfrm>
-      </p:grpSpPr>
-      <p:sp>
-        <p:nvSpPr>
-          <p:cNvPr id="2" name="Title 1">
-            <a:extLst>
-              <a:ext uri="{FF2B5EF4-FFF2-40B4-BE49-F238E27FC236}">
-                <a16:creationId xmlns:a16="http://schemas.microsoft.com/office/drawing/2014/main" id="{6233FCF2-6FE1-4ECE-AD8A-B2897B9E5E42}"/>
-              </a:ext>
-            </a:extLst>
-          </p:cNvPr>
-          <p:cNvSpPr>
-            <a:spLocks noGrp="1"/>
-          </p:cNvSpPr>
-          <p:nvPr>
-            <p:ph type="title"/>
-          </p:nvPr>
-        </p:nvSpPr>
-        <p:spPr/>
-        <p:txBody>
-          <a:bodyPr/>
-          <a:lstStyle/>
-          <a:p>
-            <a:r>
-              <a:rPr lang="en-US" dirty="0"/>
-              <a:t>Exception Handling</a:t>
-            </a:r>
-          </a:p>
-        </p:txBody>
-      </p:sp>
-      <p:sp>
-        <p:nvSpPr>
-          <p:cNvPr id="4" name="Date Placeholder 3">
-            <a:extLst>
-              <a:ext uri="{FF2B5EF4-FFF2-40B4-BE49-F238E27FC236}">
-                <a16:creationId xmlns:a16="http://schemas.microsoft.com/office/drawing/2014/main" id="{9AD43A01-AD9D-4627-823F-C225EA454168}"/>
-              </a:ext>
-            </a:extLst>
-          </p:cNvPr>
-          <p:cNvSpPr>
-            <a:spLocks noGrp="1"/>
-          </p:cNvSpPr>
-          <p:nvPr>
-            <p:ph type="dt" sz="half" idx="10"/>
-          </p:nvPr>
-        </p:nvSpPr>
-        <p:spPr/>
-        <p:txBody>
-          <a:bodyPr/>
-          <a:lstStyle/>
-          <a:p>
-            <a:fld id="{7C74E16E-276E-4A81-B0E2-E2AC71D00D27}" type="datetime1">
-              <a:rPr lang="en-US" smtClean="0"/>
-              <a:t>6/24/2020</a:t>
-            </a:fld>
-            <a:endParaRPr lang="en-US"/>
-          </a:p>
-        </p:txBody>
-      </p:sp>
-      <p:sp>
-        <p:nvSpPr>
-          <p:cNvPr id="5" name="Footer Placeholder 4">
-            <a:extLst>
-              <a:ext uri="{FF2B5EF4-FFF2-40B4-BE49-F238E27FC236}">
-                <a16:creationId xmlns:a16="http://schemas.microsoft.com/office/drawing/2014/main" id="{05DABA1B-2192-42D8-A17C-71D8C91B26E3}"/>
-              </a:ext>
-            </a:extLst>
-          </p:cNvPr>
-          <p:cNvSpPr>
-            <a:spLocks noGrp="1"/>
-          </p:cNvSpPr>
-          <p:nvPr>
-            <p:ph type="ftr" sz="quarter" idx="11"/>
-          </p:nvPr>
-        </p:nvSpPr>
-        <p:spPr/>
-        <p:txBody>
-          <a:bodyPr/>
-          <a:lstStyle/>
-          <a:p>
-            <a:r>
-              <a:rPr lang="en-US" dirty="0" err="1"/>
-              <a:t>CarPool</a:t>
-            </a:r>
-            <a:r>
-              <a:rPr lang="en-US" dirty="0"/>
-              <a:t> Application</a:t>
-            </a:r>
-          </a:p>
-        </p:txBody>
-      </p:sp>
-      <p:sp>
-        <p:nvSpPr>
-          <p:cNvPr id="6" name="Slide Number Placeholder 5">
-            <a:extLst>
-              <a:ext uri="{FF2B5EF4-FFF2-40B4-BE49-F238E27FC236}">
-                <a16:creationId xmlns:a16="http://schemas.microsoft.com/office/drawing/2014/main" id="{A963AC1E-C79B-40C6-85A6-572A0AEC2653}"/>
-              </a:ext>
-            </a:extLst>
-          </p:cNvPr>
-          <p:cNvSpPr>
-            <a:spLocks noGrp="1"/>
-          </p:cNvSpPr>
-          <p:nvPr>
-            <p:ph type="sldNum" sz="quarter" idx="12"/>
-          </p:nvPr>
-        </p:nvSpPr>
-        <p:spPr/>
-        <p:txBody>
-          <a:bodyPr/>
-          <a:lstStyle/>
-          <a:p>
-            <a:fld id="{915BDA96-C5F5-450C-BF38-5712401658A1}" type="slidenum">
-              <a:rPr lang="en-US" smtClean="0"/>
-              <a:pPr/>
-              <a:t>19</a:t>
-            </a:fld>
-            <a:endParaRPr lang="en-US"/>
-          </a:p>
-        </p:txBody>
-      </p:sp>
-      <p:sp>
-        <p:nvSpPr>
-          <p:cNvPr id="13" name="Rectangle 1">
-            <a:extLst>
-              <a:ext uri="{FF2B5EF4-FFF2-40B4-BE49-F238E27FC236}">
-                <a16:creationId xmlns:a16="http://schemas.microsoft.com/office/drawing/2014/main" id="{2F3A03F7-DD11-48B1-8CD6-F54C53580FF4}"/>
-              </a:ext>
-            </a:extLst>
-          </p:cNvPr>
-          <p:cNvSpPr>
-            <a:spLocks noChangeArrowheads="1"/>
-          </p:cNvSpPr>
-          <p:nvPr/>
-        </p:nvSpPr>
-        <p:spPr bwMode="auto">
-          <a:xfrm>
-            <a:off x="0" y="0"/>
-            <a:ext cx="12192000" cy="457200"/>
-          </a:xfrm>
-          <a:prstGeom prst="rect">
-            <a:avLst/>
-          </a:prstGeom>
-          <a:noFill/>
-          <a:ln>
-            <a:noFill/>
-          </a:ln>
-          <a:effectLst/>
-          <a:extLst>
-            <a:ext uri="{909E8E84-426E-40DD-AFC4-6F175D3DCCD1}">
-              <a14:hiddenFill xmlns:a14="http://schemas.microsoft.com/office/drawing/2010/main">
-                <a:solidFill>
-                  <a:schemeClr val="accent1"/>
-                </a:solidFill>
-              </a14:hiddenFill>
-            </a:ext>
-            <a:ext uri="{91240B29-F687-4F45-9708-019B960494DF}">
-              <a14:hiddenLine xmlns:a14="http://schemas.microsoft.com/office/drawing/2010/main" w="9525">
-                <a:solidFill>
-                  <a:schemeClr val="tx1"/>
-                </a:solidFill>
-                <a:miter lim="800000"/>
-                <a:headEnd/>
-                <a:tailEnd/>
-              </a14:hiddenLine>
-            </a:ext>
-            <a:ext uri="{AF507438-7753-43E0-B8FC-AC1667EBCBE1}">
-              <a14:hiddenEffects xmlns:a14="http://schemas.microsoft.com/office/drawing/2010/main">
-                <a:effectLst>
-                  <a:outerShdw dist="35921" dir="2700000" algn="ctr" rotWithShape="0">
-                    <a:schemeClr val="bg2"/>
-                  </a:outerShdw>
-                </a:effectLst>
-              </a14:hiddenEffects>
-            </a:ext>
-          </a:extLst>
-        </p:spPr>
-        <p:txBody>
-          <a:bodyPr vert="horz" wrap="none" lIns="91440" tIns="45720" rIns="91440" bIns="45720" numCol="1" anchor="ctr" anchorCtr="0" compatLnSpc="1">
-            <a:prstTxWarp prst="textNoShape">
-              <a:avLst/>
-            </a:prstTxWarp>
-            <a:spAutoFit/>
-          </a:bodyPr>
-          <a:lstStyle/>
-          <a:p>
-            <a:pPr marL="0" marR="0" lvl="0" indent="0" algn="l" defTabSz="914400" rtl="0" eaLnBrk="0" fontAlgn="base" latinLnBrk="0" hangingPunct="0">
-              <a:lnSpc>
-                <a:spcPct val="100000"/>
-              </a:lnSpc>
-              <a:spcBef>
-                <a:spcPct val="0"/>
-              </a:spcBef>
-              <a:spcAft>
-                <a:spcPct val="0"/>
-              </a:spcAft>
-              <a:buClrTx/>
-              <a:buSzTx/>
-              <a:buFontTx/>
-              <a:buNone/>
-              <a:tabLst/>
-            </a:pPr>
-            <a:r>
-              <a:rPr kumimoji="0" lang="en-US" altLang="en-US" sz="900" b="0" i="1" u="none" strike="noStrike" cap="none" normalizeH="0" baseline="0">
-                <a:ln>
-                  <a:noFill/>
-                </a:ln>
-                <a:solidFill>
-                  <a:srgbClr val="44546A"/>
-                </a:solidFill>
-                <a:effectLst/>
-                <a:latin typeface="Arial" panose="020B0604020202020204" pitchFamily="34" charset="0"/>
-                <a:ea typeface="Times New Roman" panose="02020603050405020304" pitchFamily="18" charset="0"/>
-              </a:rPr>
-              <a:t>T</a:t>
-            </a:r>
-            <a:r>
-              <a:rPr kumimoji="0" lang="en-US" altLang="en-US" sz="900" b="0" i="1" u="none" strike="noStrike" cap="none" normalizeH="0" baseline="0" bmk="">
-                <a:ln>
-                  <a:noFill/>
-                </a:ln>
-                <a:solidFill>
-                  <a:srgbClr val="44546A"/>
-                </a:solidFill>
-                <a:effectLst/>
-                <a:latin typeface="Arial" panose="020B0604020202020204" pitchFamily="34" charset="0"/>
-                <a:ea typeface="Times New Roman" panose="02020603050405020304" pitchFamily="18" charset="0"/>
-              </a:rPr>
-              <a:t>able </a:t>
-            </a:r>
-            <a:r>
-              <a:rPr kumimoji="0" lang="en-US" altLang="en-US" sz="900" b="0" i="1" u="none" strike="noStrike" cap="none" normalizeH="0" baseline="0" bmk="_Toc40302218">
-                <a:ln>
-                  <a:noFill/>
-                </a:ln>
-                <a:solidFill>
-                  <a:srgbClr val="44546A"/>
-                </a:solidFill>
-                <a:effectLst/>
-                <a:latin typeface="Arial" panose="020B0604020202020204" pitchFamily="34" charset="0"/>
-                <a:ea typeface="Times New Roman" panose="02020603050405020304" pitchFamily="18" charset="0"/>
-              </a:rPr>
-              <a:t>36: Usability Testing</a:t>
-            </a:r>
-            <a:endParaRPr kumimoji="0" lang="en-US" altLang="en-US" sz="1800" b="0" i="0" u="none" strike="noStrike" cap="none" normalizeH="0" baseline="0">
-              <a:ln>
-                <a:noFill/>
-              </a:ln>
-              <a:solidFill>
-                <a:schemeClr val="tx1"/>
-              </a:solidFill>
-              <a:effectLst/>
-              <a:latin typeface="Arial" panose="020B0604020202020204" pitchFamily="34" charset="0"/>
-            </a:endParaRPr>
-          </a:p>
-        </p:txBody>
-      </p:sp>
-      <p:sp>
-        <p:nvSpPr>
-          <p:cNvPr id="7" name="Content Placeholder 6">
-            <a:extLst>
-              <a:ext uri="{FF2B5EF4-FFF2-40B4-BE49-F238E27FC236}">
-                <a16:creationId xmlns:a16="http://schemas.microsoft.com/office/drawing/2014/main" id="{C04194E5-444D-49F8-AAA7-71969AAA7BCE}"/>
-              </a:ext>
-            </a:extLst>
-          </p:cNvPr>
-          <p:cNvSpPr>
-            <a:spLocks noGrp="1"/>
-          </p:cNvSpPr>
-          <p:nvPr>
-            <p:ph idx="1"/>
-          </p:nvPr>
-        </p:nvSpPr>
-        <p:spPr/>
-        <p:txBody>
-          <a:bodyPr/>
-          <a:lstStyle/>
-          <a:p>
-            <a:pPr fontAlgn="t"/>
-            <a:r>
-              <a:rPr lang="en-US" dirty="0"/>
-              <a:t>Only university email format required for signup; Invalid email won’t be accepted.</a:t>
-            </a:r>
-          </a:p>
-          <a:p>
-            <a:pPr fontAlgn="t"/>
-            <a:r>
-              <a:rPr lang="en-US" dirty="0"/>
-              <a:t>If email is not verified, the user won’t be able to sign in the app.</a:t>
-            </a:r>
-          </a:p>
-          <a:p>
-            <a:pPr fontAlgn="t"/>
-            <a:r>
-              <a:rPr lang="en-US" dirty="0"/>
-              <a:t>An invalid phone number is not allowed.</a:t>
-            </a:r>
-          </a:p>
-          <a:p>
-            <a:pPr fontAlgn="t"/>
-            <a:r>
-              <a:rPr lang="en-US" dirty="0"/>
-              <a:t>Users not allowed to enter the same email twice.</a:t>
-            </a:r>
-          </a:p>
-          <a:p>
-            <a:pPr fontAlgn="t"/>
-            <a:r>
-              <a:rPr lang="en-US" dirty="0"/>
-              <a:t>The app won’t crash if user do not allow location permission.</a:t>
-            </a:r>
-          </a:p>
-          <a:p>
-            <a:pPr fontAlgn="t"/>
-            <a:r>
-              <a:rPr lang="en-US" dirty="0"/>
-              <a:t>Users can’t edit roll number or email after signup. </a:t>
-            </a:r>
-          </a:p>
-          <a:p>
-            <a:pPr fontAlgn="t"/>
-            <a:r>
-              <a:rPr lang="en-US" dirty="0"/>
-              <a:t>Only selected riders will be notified by driver details.</a:t>
-            </a:r>
-          </a:p>
-          <a:p>
-            <a:endParaRPr lang="en-US" dirty="0"/>
-          </a:p>
-        </p:txBody>
-      </p:sp>
-    </p:spTree>
-    <p:extLst>
-      <p:ext uri="{BB962C8B-B14F-4D97-AF65-F5344CB8AC3E}">
-        <p14:creationId xmlns:p14="http://schemas.microsoft.com/office/powerpoint/2010/main" val="905707217"/>
       </p:ext>
     </p:extLst>
   </p:cSld>
@@ -8075,7 +7967,7 @@
           <a:p>
             <a:r>
               <a:rPr lang="en-US" dirty="0"/>
-              <a:t>Security Testing</a:t>
+              <a:t>Exception Handling</a:t>
             </a:r>
           </a:p>
         </p:txBody>
@@ -8312,7 +8204,7 @@
           <p:cNvPr id="7" name="Content Placeholder 6">
             <a:extLst>
               <a:ext uri="{FF2B5EF4-FFF2-40B4-BE49-F238E27FC236}">
-                <a16:creationId xmlns:a16="http://schemas.microsoft.com/office/drawing/2014/main" id="{7EB452B2-D4D5-4150-A584-93EC136CC4F1}"/>
+                <a16:creationId xmlns:a16="http://schemas.microsoft.com/office/drawing/2014/main" id="{C04194E5-444D-49F8-AAA7-71969AAA7BCE}"/>
               </a:ext>
             </a:extLst>
           </p:cNvPr>
@@ -8331,35 +8223,49 @@
             <a:pPr fontAlgn="t"/>
             <a:r>
               <a:rPr lang="en-US" dirty="0"/>
-              <a:t>Eliminate the risk of password leakage when someone tries to guess the password of the user.</a:t>
+              <a:t>Only university email format required for signup; Invalid email won’t be accepted.</a:t>
             </a:r>
           </a:p>
           <a:p>
             <a:pPr fontAlgn="t"/>
             <a:r>
               <a:rPr lang="en-US" dirty="0"/>
-              <a:t>Prevention of a denial of service attack by an attacker.</a:t>
+              <a:t>If email is not verified, the user won’t be able to sign in the app.</a:t>
             </a:r>
           </a:p>
           <a:p>
             <a:pPr fontAlgn="t"/>
             <a:r>
               <a:rPr lang="en-US" dirty="0"/>
-              <a:t>Reduce the risk of SQL injection.</a:t>
+              <a:t>An invalid phone number is not allowed.</a:t>
             </a:r>
           </a:p>
           <a:p>
             <a:pPr fontAlgn="t"/>
             <a:r>
               <a:rPr lang="en-US" dirty="0"/>
-              <a:t>Validate an attacker from accessing sensitive data.</a:t>
+              <a:t>Users not allowed to enter the same email twice.</a:t>
             </a:r>
           </a:p>
           <a:p>
             <a:pPr fontAlgn="t"/>
             <a:r>
               <a:rPr lang="en-US" dirty="0"/>
-              <a:t>Analyze the vulnerability of file system interactions.</a:t>
+              <a:t>The app won’t crash if user do not allow location permission.</a:t>
+            </a:r>
+          </a:p>
+          <a:p>
+            <a:pPr fontAlgn="t"/>
+            <a:r>
+              <a:rPr lang="en-US" dirty="0"/>
+              <a:t>Users can’t edit roll number or email after signup. </a:t>
+            </a:r>
+          </a:p>
+          <a:p>
+            <a:pPr fontAlgn="t"/>
+            <a:r>
+              <a:rPr lang="en-US" dirty="0"/>
+              <a:t>Only selected riders will be notified by driver details.</a:t>
             </a:r>
           </a:p>
           <a:p>
@@ -8370,7 +8276,7 @@
     </p:spTree>
     <p:extLst>
       <p:ext uri="{BB962C8B-B14F-4D97-AF65-F5344CB8AC3E}">
-        <p14:creationId xmlns:p14="http://schemas.microsoft.com/office/powerpoint/2010/main" val="241260932"/>
+        <p14:creationId xmlns:p14="http://schemas.microsoft.com/office/powerpoint/2010/main" val="905707217"/>
       </p:ext>
     </p:extLst>
   </p:cSld>
@@ -8420,7 +8326,7 @@
           <a:p>
             <a:r>
               <a:rPr lang="en-US" dirty="0"/>
-              <a:t>Installation Testing</a:t>
+              <a:t>Security Testing</a:t>
             </a:r>
           </a:p>
         </p:txBody>
@@ -8657,7 +8563,7 @@
           <p:cNvPr id="7" name="Content Placeholder 6">
             <a:extLst>
               <a:ext uri="{FF2B5EF4-FFF2-40B4-BE49-F238E27FC236}">
-                <a16:creationId xmlns:a16="http://schemas.microsoft.com/office/drawing/2014/main" id="{10F5D1DE-F240-4278-B019-A2F4DC1DDDEF}"/>
+                <a16:creationId xmlns:a16="http://schemas.microsoft.com/office/drawing/2014/main" id="{7EB452B2-D4D5-4150-A584-93EC136CC4F1}"/>
               </a:ext>
             </a:extLst>
           </p:cNvPr>
@@ -8676,27 +8582,38 @@
             <a:pPr fontAlgn="t"/>
             <a:r>
               <a:rPr lang="en-US" dirty="0"/>
-              <a:t>Installed the app on different android versions starting from 4.4 to 9.0.</a:t>
+              <a:t>Eliminate the risk of password leakage when someone tries to guess the password of the user.</a:t>
             </a:r>
           </a:p>
           <a:p>
             <a:pPr fontAlgn="t"/>
             <a:r>
               <a:rPr lang="en-US" dirty="0"/>
-              <a:t>Checked if app is installed with all resources.</a:t>
+              <a:t>Prevention of a denial of service attack by an attacker.</a:t>
             </a:r>
           </a:p>
           <a:p>
             <a:pPr fontAlgn="t"/>
             <a:r>
               <a:rPr lang="en-US" dirty="0"/>
-              <a:t>Tried to uninstall the app from the android phone.</a:t>
-            </a:r>
-          </a:p>
-          <a:p>
-            <a:pPr marL="0" indent="0">
-              <a:buNone/>
-            </a:pPr>
+              <a:t>Reduce the risk of SQL injection.</a:t>
+            </a:r>
+          </a:p>
+          <a:p>
+            <a:pPr fontAlgn="t"/>
+            <a:r>
+              <a:rPr lang="en-US" dirty="0"/>
+              <a:t>Validate an attacker from accessing sensitive data.</a:t>
+            </a:r>
+          </a:p>
+          <a:p>
+            <a:pPr fontAlgn="t"/>
+            <a:r>
+              <a:rPr lang="en-US" dirty="0"/>
+              <a:t>Analyze the vulnerability of file system interactions.</a:t>
+            </a:r>
+          </a:p>
+          <a:p>
             <a:endParaRPr lang="en-US" dirty="0"/>
           </a:p>
         </p:txBody>
@@ -8704,7 +8621,7 @@
     </p:spTree>
     <p:extLst>
       <p:ext uri="{BB962C8B-B14F-4D97-AF65-F5344CB8AC3E}">
-        <p14:creationId xmlns:p14="http://schemas.microsoft.com/office/powerpoint/2010/main" val="470789842"/>
+        <p14:creationId xmlns:p14="http://schemas.microsoft.com/office/powerpoint/2010/main" val="241260932"/>
       </p:ext>
     </p:extLst>
   </p:cSld>
@@ -8754,7 +8671,7 @@
           <a:p>
             <a:r>
               <a:rPr lang="en-US" dirty="0"/>
-              <a:t>Conclusion</a:t>
+              <a:t>Installation Testing</a:t>
             </a:r>
           </a:p>
         </p:txBody>
@@ -8988,10 +8905,10 @@
       </p:sp>
       <p:sp>
         <p:nvSpPr>
-          <p:cNvPr id="9" name="Content Placeholder 8">
-            <a:extLst>
-              <a:ext uri="{FF2B5EF4-FFF2-40B4-BE49-F238E27FC236}">
-                <a16:creationId xmlns:a16="http://schemas.microsoft.com/office/drawing/2014/main" id="{EBC6F623-7D64-40CA-8B5F-D041031D7394}"/>
+          <p:cNvPr id="7" name="Content Placeholder 6">
+            <a:extLst>
+              <a:ext uri="{FF2B5EF4-FFF2-40B4-BE49-F238E27FC236}">
+                <a16:creationId xmlns:a16="http://schemas.microsoft.com/office/drawing/2014/main" id="{10F5D1DE-F240-4278-B019-A2F4DC1DDDEF}"/>
               </a:ext>
             </a:extLst>
           </p:cNvPr>
@@ -9007,27 +8924,24 @@
           <a:bodyPr/>
           <a:lstStyle/>
           <a:p>
+            <a:pPr fontAlgn="t"/>
             <a:r>
               <a:rPr lang="en-US" dirty="0"/>
-              <a:t>The implementation from a concept to a real application was extremely challenging but it was very eﬀective and full of experience. </a:t>
-            </a:r>
-          </a:p>
-          <a:p>
+              <a:t>Installed the app on different android versions starting from 4.4 to 9.0.</a:t>
+            </a:r>
+          </a:p>
+          <a:p>
+            <a:pPr fontAlgn="t"/>
             <a:r>
               <a:rPr lang="en-US" dirty="0"/>
-              <a:t>We have implemented all functional and non-functional needs and some of the optional needs. </a:t>
-            </a:r>
-          </a:p>
-          <a:p>
+              <a:t>Checked if app is installed with all resources.</a:t>
+            </a:r>
+          </a:p>
+          <a:p>
+            <a:pPr fontAlgn="t"/>
             <a:r>
               <a:rPr lang="en-US" dirty="0"/>
-              <a:t> From design to backend features, everything is checked. </a:t>
-            </a:r>
-          </a:p>
-          <a:p>
-            <a:r>
-              <a:rPr lang="en-US" dirty="0"/>
-              <a:t> This implementation was deﬁnitely helpful to our career, since implementing a concept into a real application gives us good knowledge of the development environment.</a:t>
+              <a:t>Tried to uninstall the app from the android phone.</a:t>
             </a:r>
           </a:p>
           <a:p>
@@ -9041,7 +8955,7 @@
     </p:spTree>
     <p:extLst>
       <p:ext uri="{BB962C8B-B14F-4D97-AF65-F5344CB8AC3E}">
-        <p14:creationId xmlns:p14="http://schemas.microsoft.com/office/powerpoint/2010/main" val="2373172806"/>
+        <p14:creationId xmlns:p14="http://schemas.microsoft.com/office/powerpoint/2010/main" val="470789842"/>
       </p:ext>
     </p:extLst>
   </p:cSld>
@@ -9091,7 +9005,7 @@
           <a:p>
             <a:r>
               <a:rPr lang="en-US" dirty="0"/>
-              <a:t>Project Demo</a:t>
+              <a:t>Conclusion</a:t>
             </a:r>
           </a:p>
         </p:txBody>
@@ -9325,6 +9239,343 @@
       </p:sp>
       <p:sp>
         <p:nvSpPr>
+          <p:cNvPr id="9" name="Content Placeholder 8">
+            <a:extLst>
+              <a:ext uri="{FF2B5EF4-FFF2-40B4-BE49-F238E27FC236}">
+                <a16:creationId xmlns:a16="http://schemas.microsoft.com/office/drawing/2014/main" id="{EBC6F623-7D64-40CA-8B5F-D041031D7394}"/>
+              </a:ext>
+            </a:extLst>
+          </p:cNvPr>
+          <p:cNvSpPr>
+            <a:spLocks noGrp="1"/>
+          </p:cNvSpPr>
+          <p:nvPr>
+            <p:ph idx="1"/>
+          </p:nvPr>
+        </p:nvSpPr>
+        <p:spPr/>
+        <p:txBody>
+          <a:bodyPr/>
+          <a:lstStyle/>
+          <a:p>
+            <a:r>
+              <a:rPr lang="en-US" dirty="0"/>
+              <a:t>The implementation from a concept to a real application was extremely challenging but it was very eﬀective and full of experience. </a:t>
+            </a:r>
+          </a:p>
+          <a:p>
+            <a:r>
+              <a:rPr lang="en-US" dirty="0"/>
+              <a:t>We have implemented all functional and non-functional needs and some of the optional needs. </a:t>
+            </a:r>
+          </a:p>
+          <a:p>
+            <a:r>
+              <a:rPr lang="en-US" dirty="0"/>
+              <a:t> From design to backend features, everything is checked. </a:t>
+            </a:r>
+          </a:p>
+          <a:p>
+            <a:r>
+              <a:rPr lang="en-US" dirty="0"/>
+              <a:t> This implementation was deﬁnitely helpful to our career, since implementing a concept into a real application gives us good knowledge of the development environment.</a:t>
+            </a:r>
+          </a:p>
+          <a:p>
+            <a:pPr marL="0" indent="0">
+              <a:buNone/>
+            </a:pPr>
+            <a:endParaRPr lang="en-US" dirty="0"/>
+          </a:p>
+        </p:txBody>
+      </p:sp>
+    </p:spTree>
+    <p:extLst>
+      <p:ext uri="{BB962C8B-B14F-4D97-AF65-F5344CB8AC3E}">
+        <p14:creationId xmlns:p14="http://schemas.microsoft.com/office/powerpoint/2010/main" val="2373172806"/>
+      </p:ext>
+    </p:extLst>
+  </p:cSld>
+  <p:clrMapOvr>
+    <a:masterClrMapping/>
+  </p:clrMapOvr>
+</p:sld>
+</file>
+
+<file path=ppt/slides/slide24.xml><?xml version="1.0" encoding="utf-8"?>
+<p:sld xmlns:a="http://schemas.openxmlformats.org/drawingml/2006/main" xmlns:r="http://schemas.openxmlformats.org/officeDocument/2006/relationships" xmlns:p="http://schemas.openxmlformats.org/presentationml/2006/main">
+  <p:cSld>
+    <p:spTree>
+      <p:nvGrpSpPr>
+        <p:cNvPr id="1" name=""/>
+        <p:cNvGrpSpPr/>
+        <p:nvPr/>
+      </p:nvGrpSpPr>
+      <p:grpSpPr>
+        <a:xfrm>
+          <a:off x="0" y="0"/>
+          <a:ext cx="0" cy="0"/>
+          <a:chOff x="0" y="0"/>
+          <a:chExt cx="0" cy="0"/>
+        </a:xfrm>
+      </p:grpSpPr>
+      <p:sp>
+        <p:nvSpPr>
+          <p:cNvPr id="2" name="Title 1">
+            <a:extLst>
+              <a:ext uri="{FF2B5EF4-FFF2-40B4-BE49-F238E27FC236}">
+                <a16:creationId xmlns:a16="http://schemas.microsoft.com/office/drawing/2014/main" id="{6233FCF2-6FE1-4ECE-AD8A-B2897B9E5E42}"/>
+              </a:ext>
+            </a:extLst>
+          </p:cNvPr>
+          <p:cNvSpPr>
+            <a:spLocks noGrp="1"/>
+          </p:cNvSpPr>
+          <p:nvPr>
+            <p:ph type="title"/>
+          </p:nvPr>
+        </p:nvSpPr>
+        <p:spPr/>
+        <p:txBody>
+          <a:bodyPr/>
+          <a:lstStyle/>
+          <a:p>
+            <a:r>
+              <a:rPr lang="en-US" dirty="0"/>
+              <a:t>Project Demo</a:t>
+            </a:r>
+          </a:p>
+        </p:txBody>
+      </p:sp>
+      <p:sp>
+        <p:nvSpPr>
+          <p:cNvPr id="4" name="Date Placeholder 3">
+            <a:extLst>
+              <a:ext uri="{FF2B5EF4-FFF2-40B4-BE49-F238E27FC236}">
+                <a16:creationId xmlns:a16="http://schemas.microsoft.com/office/drawing/2014/main" id="{9AD43A01-AD9D-4627-823F-C225EA454168}"/>
+              </a:ext>
+            </a:extLst>
+          </p:cNvPr>
+          <p:cNvSpPr>
+            <a:spLocks noGrp="1"/>
+          </p:cNvSpPr>
+          <p:nvPr>
+            <p:ph type="dt" sz="half" idx="10"/>
+          </p:nvPr>
+        </p:nvSpPr>
+        <p:spPr/>
+        <p:txBody>
+          <a:bodyPr/>
+          <a:lstStyle/>
+          <a:p>
+            <a:fld id="{7C74E16E-276E-4A81-B0E2-E2AC71D00D27}" type="datetime1">
+              <a:rPr lang="en-US" smtClean="0"/>
+              <a:t>6/24/2020</a:t>
+            </a:fld>
+            <a:endParaRPr lang="en-US"/>
+          </a:p>
+        </p:txBody>
+      </p:sp>
+      <p:sp>
+        <p:nvSpPr>
+          <p:cNvPr id="5" name="Footer Placeholder 4">
+            <a:extLst>
+              <a:ext uri="{FF2B5EF4-FFF2-40B4-BE49-F238E27FC236}">
+                <a16:creationId xmlns:a16="http://schemas.microsoft.com/office/drawing/2014/main" id="{05DABA1B-2192-42D8-A17C-71D8C91B26E3}"/>
+              </a:ext>
+            </a:extLst>
+          </p:cNvPr>
+          <p:cNvSpPr>
+            <a:spLocks noGrp="1"/>
+          </p:cNvSpPr>
+          <p:nvPr>
+            <p:ph type="ftr" sz="quarter" idx="11"/>
+          </p:nvPr>
+        </p:nvSpPr>
+        <p:spPr/>
+        <p:txBody>
+          <a:bodyPr/>
+          <a:lstStyle/>
+          <a:p>
+            <a:r>
+              <a:rPr lang="en-US" dirty="0" err="1"/>
+              <a:t>CarPool</a:t>
+            </a:r>
+            <a:r>
+              <a:rPr lang="en-US" dirty="0"/>
+              <a:t> Application</a:t>
+            </a:r>
+          </a:p>
+        </p:txBody>
+      </p:sp>
+      <p:sp>
+        <p:nvSpPr>
+          <p:cNvPr id="6" name="Slide Number Placeholder 5">
+            <a:extLst>
+              <a:ext uri="{FF2B5EF4-FFF2-40B4-BE49-F238E27FC236}">
+                <a16:creationId xmlns:a16="http://schemas.microsoft.com/office/drawing/2014/main" id="{A963AC1E-C79B-40C6-85A6-572A0AEC2653}"/>
+              </a:ext>
+            </a:extLst>
+          </p:cNvPr>
+          <p:cNvSpPr>
+            <a:spLocks noGrp="1"/>
+          </p:cNvSpPr>
+          <p:nvPr>
+            <p:ph type="sldNum" sz="quarter" idx="12"/>
+          </p:nvPr>
+        </p:nvSpPr>
+        <p:spPr/>
+        <p:txBody>
+          <a:bodyPr/>
+          <a:lstStyle/>
+          <a:p>
+            <a:fld id="{915BDA96-C5F5-450C-BF38-5712401658A1}" type="slidenum">
+              <a:rPr lang="en-US" smtClean="0"/>
+              <a:pPr/>
+              <a:t>24</a:t>
+            </a:fld>
+            <a:endParaRPr lang="en-US"/>
+          </a:p>
+        </p:txBody>
+      </p:sp>
+      <p:sp>
+        <p:nvSpPr>
+          <p:cNvPr id="13" name="Rectangle 1">
+            <a:extLst>
+              <a:ext uri="{FF2B5EF4-FFF2-40B4-BE49-F238E27FC236}">
+                <a16:creationId xmlns:a16="http://schemas.microsoft.com/office/drawing/2014/main" id="{2F3A03F7-DD11-48B1-8CD6-F54C53580FF4}"/>
+              </a:ext>
+            </a:extLst>
+          </p:cNvPr>
+          <p:cNvSpPr>
+            <a:spLocks noChangeArrowheads="1"/>
+          </p:cNvSpPr>
+          <p:nvPr/>
+        </p:nvSpPr>
+        <p:spPr bwMode="auto">
+          <a:xfrm>
+            <a:off x="0" y="0"/>
+            <a:ext cx="12192000" cy="457200"/>
+          </a:xfrm>
+          <a:prstGeom prst="rect">
+            <a:avLst/>
+          </a:prstGeom>
+          <a:noFill/>
+          <a:ln>
+            <a:noFill/>
+          </a:ln>
+          <a:effectLst/>
+          <a:extLst>
+            <a:ext uri="{909E8E84-426E-40DD-AFC4-6F175D3DCCD1}">
+              <a14:hiddenFill xmlns:a14="http://schemas.microsoft.com/office/drawing/2010/main">
+                <a:solidFill>
+                  <a:schemeClr val="accent1"/>
+                </a:solidFill>
+              </a14:hiddenFill>
+            </a:ext>
+            <a:ext uri="{91240B29-F687-4F45-9708-019B960494DF}">
+              <a14:hiddenLine xmlns:a14="http://schemas.microsoft.com/office/drawing/2010/main" w="9525">
+                <a:solidFill>
+                  <a:schemeClr val="tx1"/>
+                </a:solidFill>
+                <a:miter lim="800000"/>
+                <a:headEnd/>
+                <a:tailEnd/>
+              </a14:hiddenLine>
+            </a:ext>
+            <a:ext uri="{AF507438-7753-43E0-B8FC-AC1667EBCBE1}">
+              <a14:hiddenEffects xmlns:a14="http://schemas.microsoft.com/office/drawing/2010/main">
+                <a:effectLst>
+                  <a:outerShdw dist="35921" dir="2700000" algn="ctr" rotWithShape="0">
+                    <a:schemeClr val="bg2"/>
+                  </a:outerShdw>
+                </a:effectLst>
+              </a14:hiddenEffects>
+            </a:ext>
+          </a:extLst>
+        </p:spPr>
+        <p:txBody>
+          <a:bodyPr vert="horz" wrap="none" lIns="91440" tIns="45720" rIns="91440" bIns="45720" numCol="1" anchor="ctr" anchorCtr="0" compatLnSpc="1">
+            <a:prstTxWarp prst="textNoShape">
+              <a:avLst/>
+            </a:prstTxWarp>
+            <a:spAutoFit/>
+          </a:bodyPr>
+          <a:lstStyle/>
+          <a:p>
+            <a:pPr marL="0" marR="0" lvl="0" indent="0" algn="l" defTabSz="914400" rtl="0" eaLnBrk="0" fontAlgn="base" latinLnBrk="0" hangingPunct="0">
+              <a:lnSpc>
+                <a:spcPct val="100000"/>
+              </a:lnSpc>
+              <a:spcBef>
+                <a:spcPct val="0"/>
+              </a:spcBef>
+              <a:spcAft>
+                <a:spcPct val="0"/>
+              </a:spcAft>
+              <a:buClrTx/>
+              <a:buSzTx/>
+              <a:buFontTx/>
+              <a:buNone/>
+              <a:tabLst/>
+            </a:pPr>
+            <a:r>
+              <a:rPr kumimoji="0" lang="en-US" altLang="en-US" sz="900" b="0" i="1" u="none" strike="noStrike" cap="none" normalizeH="0" baseline="0">
+                <a:ln>
+                  <a:noFill/>
+                </a:ln>
+                <a:solidFill>
+                  <a:srgbClr val="44546A"/>
+                </a:solidFill>
+                <a:effectLst/>
+                <a:latin typeface="Arial" panose="020B0604020202020204" pitchFamily="34" charset="0"/>
+                <a:ea typeface="Times New Roman" panose="02020603050405020304" pitchFamily="18" charset="0"/>
+              </a:rPr>
+              <a:t>T</a:t>
+            </a:r>
+            <a:r>
+              <a:rPr kumimoji="0" lang="en-US" altLang="en-US" sz="900" b="0" i="1" u="none" strike="noStrike" cap="none" normalizeH="0" baseline="0" bmk="">
+                <a:ln>
+                  <a:noFill/>
+                </a:ln>
+                <a:solidFill>
+                  <a:srgbClr val="44546A"/>
+                </a:solidFill>
+                <a:effectLst/>
+                <a:latin typeface="Arial" panose="020B0604020202020204" pitchFamily="34" charset="0"/>
+                <a:ea typeface="Times New Roman" panose="02020603050405020304" pitchFamily="18" charset="0"/>
+              </a:rPr>
+              <a:t>able </a:t>
+            </a:r>
+            <a:r>
+              <a:rPr kumimoji="0" lang="en-US" altLang="en-US" sz="900" b="0" i="1" u="none" strike="noStrike" cap="none" normalizeH="0" baseline="0" bmk="_Toc40302218">
+                <a:ln>
+                  <a:noFill/>
+                </a:ln>
+                <a:solidFill>
+                  <a:srgbClr val="44546A"/>
+                </a:solidFill>
+                <a:effectLst/>
+                <a:latin typeface="Arial" panose="020B0604020202020204" pitchFamily="34" charset="0"/>
+                <a:ea typeface="Times New Roman" panose="02020603050405020304" pitchFamily="18" charset="0"/>
+              </a:rPr>
+              <a:t>36: Usability Testing</a:t>
+            </a:r>
+            <a:endParaRPr kumimoji="0" lang="en-US" altLang="en-US" sz="1800" b="0" i="0" u="none" strike="noStrike" cap="none" normalizeH="0" baseline="0">
+              <a:ln>
+                <a:noFill/>
+              </a:ln>
+              <a:solidFill>
+                <a:schemeClr val="tx1"/>
+              </a:solidFill>
+              <a:effectLst/>
+              <a:latin typeface="Arial" panose="020B0604020202020204" pitchFamily="34" charset="0"/>
+            </a:endParaRPr>
+          </a:p>
+        </p:txBody>
+      </p:sp>
+      <p:sp>
+        <p:nvSpPr>
           <p:cNvPr id="7" name="Content Placeholder 6">
             <a:extLst>
               <a:ext uri="{FF2B5EF4-FFF2-40B4-BE49-F238E27FC236}">
@@ -9870,20 +10121,69 @@
           <a:bodyPr/>
           <a:lstStyle/>
           <a:p>
-            <a:endParaRPr lang="en-US" dirty="0"/>
-          </a:p>
-          <a:p>
             <a:pPr marL="0" indent="0">
               <a:buNone/>
             </a:pPr>
             <a:r>
-              <a:rPr lang="en-US" dirty="0">
-                <a:solidFill>
-                  <a:srgbClr val="FF0000"/>
-                </a:solidFill>
-              </a:rPr>
-              <a:t>MENTION EXISTING CARPOOL APPLICATIONS HERE</a:t>
-            </a:r>
+              <a:rPr lang="en-US" dirty="0"/>
+              <a:t>Many </a:t>
+            </a:r>
+            <a:r>
+              <a:rPr lang="en-US" dirty="0" err="1"/>
+              <a:t>carpoolings</a:t>
+            </a:r>
+            <a:r>
+              <a:rPr lang="en-US" dirty="0"/>
+              <a:t> applications and websites have been developed around the world. Following are some examples of carpooling systems around the globe:</a:t>
+            </a:r>
+          </a:p>
+          <a:p>
+            <a:pPr marL="0" indent="0">
+              <a:buNone/>
+            </a:pPr>
+            <a:r>
+              <a:rPr lang="en-US" b="1" dirty="0"/>
+              <a:t>Websites</a:t>
+            </a:r>
+          </a:p>
+          <a:p>
+            <a:r>
+              <a:rPr lang="en-US" dirty="0"/>
+              <a:t> New Zealand: https://www.asa.ac.nz/carpool</a:t>
+            </a:r>
+          </a:p>
+          <a:p>
+            <a:r>
+              <a:rPr lang="en-US" dirty="0"/>
+              <a:t>Algeria: www.nroho.com, www.m3aya.com, www.nsogo.net</a:t>
+            </a:r>
+          </a:p>
+          <a:p>
+            <a:r>
+              <a:rPr lang="en-US" dirty="0"/>
+              <a:t>Europe: BlaBlaCar.com, carpooling.com, GoMore.com</a:t>
+            </a:r>
+          </a:p>
+          <a:p>
+            <a:r>
+              <a:rPr lang="en-US" dirty="0"/>
+              <a:t>France: covoiturage.fr</a:t>
+            </a:r>
+          </a:p>
+          <a:p>
+            <a:r>
+              <a:rPr lang="en-US" dirty="0"/>
+              <a:t>USA: car.ma, www.rdvouz.com</a:t>
+            </a:r>
+          </a:p>
+          <a:p>
+            <a:r>
+              <a:rPr lang="en-US" dirty="0"/>
+              <a:t>World: Outpost.travel, joinntravel.com, www.letsride.in</a:t>
+            </a:r>
+          </a:p>
+          <a:p>
+            <a:endParaRPr lang="en-US" dirty="0"/>
           </a:p>
         </p:txBody>
       </p:sp>
@@ -10031,7 +10331,7 @@
           <a:p>
             <a:r>
               <a:rPr lang="en-US" dirty="0"/>
-              <a:t> Carpooling Types</a:t>
+              <a:t>Literature Review</a:t>
             </a:r>
           </a:p>
         </p:txBody>
@@ -10056,38 +10356,105 @@
         <p:txBody>
           <a:bodyPr/>
           <a:lstStyle/>
-          <a:p>
-            <a:endParaRPr lang="en-US" dirty="0"/>
-          </a:p>
-          <a:p>
-            <a:r>
-              <a:rPr lang="en-US" dirty="0"/>
-              <a:t>Regular</a:t>
-            </a:r>
-          </a:p>
           <a:p>
             <a:pPr marL="0" indent="0">
               <a:buNone/>
             </a:pPr>
+            <a:r>
+              <a:rPr lang="en-US" b="1" dirty="0"/>
+              <a:t>Mobile Applications</a:t>
+            </a:r>
+          </a:p>
+          <a:p>
+            <a:r>
+              <a:rPr lang="en-US" dirty="0"/>
+              <a:t>New Zealand: ASA</a:t>
+            </a:r>
+          </a:p>
+          <a:p>
+            <a:r>
+              <a:rPr lang="en-US" dirty="0"/>
+              <a:t>Algeria: </a:t>
+            </a:r>
+            <a:r>
+              <a:rPr lang="en-US" dirty="0" err="1"/>
+              <a:t>YAssir</a:t>
+            </a:r>
+            <a:r>
+              <a:rPr lang="en-US" dirty="0"/>
+              <a:t>, </a:t>
+            </a:r>
+            <a:r>
+              <a:rPr lang="en-US" dirty="0" err="1"/>
+              <a:t>Nsogo</a:t>
+            </a:r>
+            <a:r>
+              <a:rPr lang="en-US" dirty="0"/>
+              <a:t>, AMIR</a:t>
+            </a:r>
+          </a:p>
+          <a:p>
+            <a:r>
+              <a:rPr lang="en-US" dirty="0"/>
+              <a:t>World: Uber, </a:t>
+            </a:r>
+            <a:r>
+              <a:rPr lang="en-US" dirty="0" err="1"/>
+              <a:t>sRide</a:t>
+            </a:r>
+            <a:r>
+              <a:rPr lang="en-US" dirty="0"/>
+              <a:t>, </a:t>
+            </a:r>
+            <a:r>
+              <a:rPr lang="en-US" dirty="0" err="1"/>
+              <a:t>RideShare</a:t>
+            </a:r>
+            <a:r>
+              <a:rPr lang="en-US" dirty="0"/>
+              <a:t>,</a:t>
+            </a:r>
+          </a:p>
+          <a:p>
+            <a:r>
+              <a:rPr lang="en-US" dirty="0"/>
+              <a:t>USA: Uber, Lyft</a:t>
+            </a:r>
+          </a:p>
+          <a:p>
+            <a:r>
+              <a:rPr lang="en-US" dirty="0"/>
+              <a:t>France: </a:t>
+            </a:r>
+            <a:r>
+              <a:rPr lang="en-US" dirty="0" err="1"/>
+              <a:t>Karos</a:t>
+            </a:r>
+            <a:r>
+              <a:rPr lang="en-US" dirty="0"/>
+              <a:t>, </a:t>
+            </a:r>
+            <a:r>
+              <a:rPr lang="en-US" dirty="0" err="1"/>
+              <a:t>Wever</a:t>
+            </a:r>
+            <a:r>
+              <a:rPr lang="en-US" dirty="0"/>
+              <a:t>, </a:t>
+            </a:r>
+            <a:r>
+              <a:rPr lang="en-US" dirty="0" err="1"/>
+              <a:t>BlaBlaCar</a:t>
+            </a:r>
+            <a:r>
+              <a:rPr lang="en-US" dirty="0"/>
+              <a:t>, </a:t>
+            </a:r>
+            <a:r>
+              <a:rPr lang="en-US" dirty="0" err="1"/>
+              <a:t>OuiHop</a:t>
+            </a:r>
             <a:endParaRPr lang="en-US" dirty="0"/>
-          </a:p>
-          <a:p>
-            <a:r>
-              <a:rPr lang="en-US" dirty="0"/>
-              <a:t>Occasional</a:t>
-            </a:r>
-          </a:p>
-          <a:p>
-            <a:pPr marL="0" indent="0">
-              <a:buNone/>
-            </a:pPr>
-            <a:endParaRPr lang="en-US" dirty="0"/>
-          </a:p>
-          <a:p>
-            <a:r>
-              <a:rPr lang="en-US" dirty="0"/>
-              <a:t>Eventual</a:t>
-            </a:r>
           </a:p>
         </p:txBody>
       </p:sp>
@@ -10185,7 +10552,7 @@
     </p:spTree>
     <p:extLst>
       <p:ext uri="{BB962C8B-B14F-4D97-AF65-F5344CB8AC3E}">
-        <p14:creationId xmlns:p14="http://schemas.microsoft.com/office/powerpoint/2010/main" val="3367544975"/>
+        <p14:creationId xmlns:p14="http://schemas.microsoft.com/office/powerpoint/2010/main" val="2067611034"/>
       </p:ext>
     </p:extLst>
   </p:cSld>
@@ -10217,7 +10584,7 @@
           <p:cNvPr id="2" name="Title 1">
             <a:extLst>
               <a:ext uri="{FF2B5EF4-FFF2-40B4-BE49-F238E27FC236}">
-                <a16:creationId xmlns:a16="http://schemas.microsoft.com/office/drawing/2014/main" id="{FFE7E49F-C823-4261-AEE3-D05253540DEB}"/>
+                <a16:creationId xmlns:a16="http://schemas.microsoft.com/office/drawing/2014/main" id="{6233FCF2-6FE1-4ECE-AD8A-B2897B9E5E42}"/>
               </a:ext>
             </a:extLst>
           </p:cNvPr>
@@ -10235,52 +10602,72 @@
           <a:p>
             <a:r>
               <a:rPr lang="en-US" dirty="0"/>
-              <a:t>Methodology</a:t>
-            </a:r>
-          </a:p>
-        </p:txBody>
-      </p:sp>
-      <p:pic>
-        <p:nvPicPr>
-          <p:cNvPr id="8" name="Content Placeholder 7">
-            <a:extLst>
-              <a:ext uri="{FF2B5EF4-FFF2-40B4-BE49-F238E27FC236}">
-                <a16:creationId xmlns:a16="http://schemas.microsoft.com/office/drawing/2014/main" id="{5DE321F4-BF71-402F-B5BC-FB2CB749D43C}"/>
-              </a:ext>
-            </a:extLst>
-          </p:cNvPr>
-          <p:cNvPicPr>
-            <a:picLocks noGrp="1" noChangeAspect="1"/>
-          </p:cNvPicPr>
+              <a:t> Carpooling Types</a:t>
+            </a:r>
+          </a:p>
+        </p:txBody>
+      </p:sp>
+      <p:sp>
+        <p:nvSpPr>
+          <p:cNvPr id="3" name="Content Placeholder 2">
+            <a:extLst>
+              <a:ext uri="{FF2B5EF4-FFF2-40B4-BE49-F238E27FC236}">
+                <a16:creationId xmlns:a16="http://schemas.microsoft.com/office/drawing/2014/main" id="{D51EDF5C-4BAB-4CAF-A9FE-E5F72CAFA55C}"/>
+              </a:ext>
+            </a:extLst>
+          </p:cNvPr>
+          <p:cNvSpPr>
+            <a:spLocks noGrp="1"/>
+          </p:cNvSpPr>
           <p:nvPr>
             <p:ph idx="1"/>
           </p:nvPr>
-        </p:nvPicPr>
-        <p:blipFill>
-          <a:blip r:embed="rId2">
-            <a:extLst>
-              <a:ext uri="{28A0092B-C50C-407E-A947-70E740481C1C}">
-                <a14:useLocalDpi xmlns:a14="http://schemas.microsoft.com/office/drawing/2010/main" val="0"/>
-              </a:ext>
-            </a:extLst>
-          </a:blip>
-          <a:stretch>
-            <a:fillRect/>
-          </a:stretch>
-        </p:blipFill>
-        <p:spPr>
-          <a:xfrm>
-            <a:off x="3154017" y="1605061"/>
-            <a:ext cx="5168348" cy="4680768"/>
-          </a:xfrm>
-        </p:spPr>
-      </p:pic>
+        </p:nvSpPr>
+        <p:spPr/>
+        <p:txBody>
+          <a:bodyPr/>
+          <a:lstStyle/>
+          <a:p>
+            <a:endParaRPr lang="en-US" dirty="0"/>
+          </a:p>
+          <a:p>
+            <a:r>
+              <a:rPr lang="en-US" dirty="0"/>
+              <a:t>Regular</a:t>
+            </a:r>
+          </a:p>
+          <a:p>
+            <a:pPr marL="0" indent="0">
+              <a:buNone/>
+            </a:pPr>
+            <a:endParaRPr lang="en-US" dirty="0"/>
+          </a:p>
+          <a:p>
+            <a:r>
+              <a:rPr lang="en-US" dirty="0"/>
+              <a:t>Occasional</a:t>
+            </a:r>
+          </a:p>
+          <a:p>
+            <a:pPr marL="0" indent="0">
+              <a:buNone/>
+            </a:pPr>
+            <a:endParaRPr lang="en-US" dirty="0"/>
+          </a:p>
+          <a:p>
+            <a:r>
+              <a:rPr lang="en-US" dirty="0"/>
+              <a:t>Eventual</a:t>
+            </a:r>
+          </a:p>
+        </p:txBody>
+      </p:sp>
       <p:sp>
         <p:nvSpPr>
           <p:cNvPr id="4" name="Date Placeholder 3">
             <a:extLst>
               <a:ext uri="{FF2B5EF4-FFF2-40B4-BE49-F238E27FC236}">
-                <a16:creationId xmlns:a16="http://schemas.microsoft.com/office/drawing/2014/main" id="{805099E5-E29F-4A9E-8833-A4B3CA69E173}"/>
+                <a16:creationId xmlns:a16="http://schemas.microsoft.com/office/drawing/2014/main" id="{9AD43A01-AD9D-4627-823F-C225EA454168}"/>
               </a:ext>
             </a:extLst>
           </p:cNvPr>
@@ -10309,7 +10696,7 @@
           <p:cNvPr id="5" name="Footer Placeholder 4">
             <a:extLst>
               <a:ext uri="{FF2B5EF4-FFF2-40B4-BE49-F238E27FC236}">
-                <a16:creationId xmlns:a16="http://schemas.microsoft.com/office/drawing/2014/main" id="{8FC62732-EA19-4F53-B6E0-4AA06BE7DF78}"/>
+                <a16:creationId xmlns:a16="http://schemas.microsoft.com/office/drawing/2014/main" id="{05DABA1B-2192-42D8-A17C-71D8C91B26E3}"/>
               </a:ext>
             </a:extLst>
           </p:cNvPr>
@@ -10341,7 +10728,7 @@
           <p:cNvPr id="6" name="Slide Number Placeholder 5">
             <a:extLst>
               <a:ext uri="{FF2B5EF4-FFF2-40B4-BE49-F238E27FC236}">
-                <a16:creationId xmlns:a16="http://schemas.microsoft.com/office/drawing/2014/main" id="{7F158E19-CC33-43D0-B131-E8FB402479BC}"/>
+                <a16:creationId xmlns:a16="http://schemas.microsoft.com/office/drawing/2014/main" id="{A963AC1E-C79B-40C6-85A6-572A0AEC2653}"/>
               </a:ext>
             </a:extLst>
           </p:cNvPr>
@@ -10369,7 +10756,7 @@
     </p:spTree>
     <p:extLst>
       <p:ext uri="{BB962C8B-B14F-4D97-AF65-F5344CB8AC3E}">
-        <p14:creationId xmlns:p14="http://schemas.microsoft.com/office/powerpoint/2010/main" val="3781577544"/>
+        <p14:creationId xmlns:p14="http://schemas.microsoft.com/office/powerpoint/2010/main" val="3367544975"/>
       </p:ext>
     </p:extLst>
   </p:cSld>
@@ -10419,180 +10806,26 @@
           <a:p>
             <a:r>
               <a:rPr lang="en-US" dirty="0"/>
-              <a:t>Design</a:t>
-            </a:r>
-          </a:p>
-        </p:txBody>
-      </p:sp>
-      <p:sp>
-        <p:nvSpPr>
-          <p:cNvPr id="3" name="Content Placeholder 2">
-            <a:extLst>
-              <a:ext uri="{FF2B5EF4-FFF2-40B4-BE49-F238E27FC236}">
-                <a16:creationId xmlns:a16="http://schemas.microsoft.com/office/drawing/2014/main" id="{16F7FDF8-E5FF-4F85-9580-54C4CA506F1C}"/>
-              </a:ext>
-            </a:extLst>
-          </p:cNvPr>
-          <p:cNvSpPr>
-            <a:spLocks noGrp="1"/>
-          </p:cNvSpPr>
-          <p:nvPr>
-            <p:ph idx="1"/>
-          </p:nvPr>
-        </p:nvSpPr>
-        <p:spPr/>
-        <p:txBody>
-          <a:bodyPr>
-            <a:normAutofit/>
-          </a:bodyPr>
-          <a:lstStyle/>
-          <a:p>
-            <a:endParaRPr lang="en-US" dirty="0"/>
-          </a:p>
-          <a:p>
-            <a:endParaRPr lang="en-US" dirty="0"/>
-          </a:p>
-        </p:txBody>
-      </p:sp>
-      <p:sp>
-        <p:nvSpPr>
-          <p:cNvPr id="4" name="Date Placeholder 3">
-            <a:extLst>
-              <a:ext uri="{FF2B5EF4-FFF2-40B4-BE49-F238E27FC236}">
-                <a16:creationId xmlns:a16="http://schemas.microsoft.com/office/drawing/2014/main" id="{805099E5-E29F-4A9E-8833-A4B3CA69E173}"/>
-              </a:ext>
-            </a:extLst>
-          </p:cNvPr>
-          <p:cNvSpPr>
-            <a:spLocks noGrp="1"/>
-          </p:cNvSpPr>
-          <p:nvPr>
-            <p:ph type="dt" sz="half" idx="10"/>
-          </p:nvPr>
-        </p:nvSpPr>
-        <p:spPr/>
-        <p:txBody>
-          <a:bodyPr/>
-          <a:lstStyle/>
-          <a:p>
-            <a:fld id="{7C74E16E-276E-4A81-B0E2-E2AC71D00D27}" type="datetime1">
-              <a:rPr lang="en-US" smtClean="0"/>
-              <a:t>6/24/2020</a:t>
-            </a:fld>
-            <a:endParaRPr lang="en-US"/>
-          </a:p>
-        </p:txBody>
-      </p:sp>
-      <p:sp>
-        <p:nvSpPr>
-          <p:cNvPr id="5" name="Footer Placeholder 4">
-            <a:extLst>
-              <a:ext uri="{FF2B5EF4-FFF2-40B4-BE49-F238E27FC236}">
-                <a16:creationId xmlns:a16="http://schemas.microsoft.com/office/drawing/2014/main" id="{8FC62732-EA19-4F53-B6E0-4AA06BE7DF78}"/>
-              </a:ext>
-            </a:extLst>
-          </p:cNvPr>
-          <p:cNvSpPr>
-            <a:spLocks noGrp="1"/>
-          </p:cNvSpPr>
-          <p:nvPr>
-            <p:ph type="ftr" sz="quarter" idx="11"/>
-          </p:nvPr>
-        </p:nvSpPr>
-        <p:spPr/>
-        <p:txBody>
-          <a:bodyPr/>
-          <a:lstStyle/>
-          <a:p>
-            <a:r>
-              <a:rPr lang="en-US" dirty="0" err="1"/>
-              <a:t>CarPool</a:t>
-            </a:r>
-            <a:r>
-              <a:rPr lang="en-US" dirty="0"/>
-              <a:t> Application</a:t>
-            </a:r>
-          </a:p>
-        </p:txBody>
-      </p:sp>
-      <p:sp>
-        <p:nvSpPr>
-          <p:cNvPr id="6" name="Slide Number Placeholder 5">
-            <a:extLst>
-              <a:ext uri="{FF2B5EF4-FFF2-40B4-BE49-F238E27FC236}">
-                <a16:creationId xmlns:a16="http://schemas.microsoft.com/office/drawing/2014/main" id="{7F158E19-CC33-43D0-B131-E8FB402479BC}"/>
-              </a:ext>
-            </a:extLst>
-          </p:cNvPr>
-          <p:cNvSpPr>
-            <a:spLocks noGrp="1"/>
-          </p:cNvSpPr>
-          <p:nvPr>
-            <p:ph type="sldNum" sz="quarter" idx="12"/>
-          </p:nvPr>
-        </p:nvSpPr>
-        <p:spPr/>
-        <p:txBody>
-          <a:bodyPr/>
-          <a:lstStyle/>
-          <a:p>
-            <a:fld id="{915BDA96-C5F5-450C-BF38-5712401658A1}" type="slidenum">
-              <a:rPr lang="en-US" smtClean="0"/>
-              <a:pPr/>
-              <a:t>8</a:t>
-            </a:fld>
-            <a:endParaRPr lang="en-US"/>
-          </a:p>
-        </p:txBody>
-      </p:sp>
-      <p:sp>
-        <p:nvSpPr>
-          <p:cNvPr id="9" name="TextBox 8">
-            <a:extLst>
-              <a:ext uri="{FF2B5EF4-FFF2-40B4-BE49-F238E27FC236}">
-                <a16:creationId xmlns:a16="http://schemas.microsoft.com/office/drawing/2014/main" id="{2CD9B58D-8852-42A1-ACF1-C203A5074256}"/>
-              </a:ext>
-            </a:extLst>
-          </p:cNvPr>
-          <p:cNvSpPr txBox="1"/>
-          <p:nvPr/>
-        </p:nvSpPr>
-        <p:spPr>
-          <a:xfrm>
-            <a:off x="5006172" y="5817867"/>
-            <a:ext cx="1782091" cy="369332"/>
-          </a:xfrm>
-          <a:prstGeom prst="rect">
-            <a:avLst/>
-          </a:prstGeom>
-          <a:noFill/>
-        </p:spPr>
-        <p:txBody>
-          <a:bodyPr wrap="none" rtlCol="0">
-            <a:spAutoFit/>
-          </a:bodyPr>
-          <a:lstStyle/>
-          <a:p>
-            <a:r>
-              <a:rPr lang="en-US" b="1" dirty="0"/>
-              <a:t>Context Diagram</a:t>
+              <a:t>Methodology</a:t>
             </a:r>
           </a:p>
         </p:txBody>
       </p:sp>
       <p:pic>
         <p:nvPicPr>
-          <p:cNvPr id="10" name="Picture 9">
-            <a:extLst>
-              <a:ext uri="{FF2B5EF4-FFF2-40B4-BE49-F238E27FC236}">
-                <a16:creationId xmlns:a16="http://schemas.microsoft.com/office/drawing/2014/main" id="{4D817126-816F-4F54-8F13-D05080DE3A1D}"/>
+          <p:cNvPr id="8" name="Content Placeholder 7">
+            <a:extLst>
+              <a:ext uri="{FF2B5EF4-FFF2-40B4-BE49-F238E27FC236}">
+                <a16:creationId xmlns:a16="http://schemas.microsoft.com/office/drawing/2014/main" id="{5DE321F4-BF71-402F-B5BC-FB2CB749D43C}"/>
               </a:ext>
             </a:extLst>
           </p:cNvPr>
           <p:cNvPicPr>
-            <a:picLocks noChangeAspect="1"/>
+            <a:picLocks noGrp="1" noChangeAspect="1"/>
           </p:cNvPicPr>
-          <p:nvPr/>
+          <p:nvPr>
+            <p:ph idx="1"/>
+          </p:nvPr>
         </p:nvPicPr>
         <p:blipFill>
           <a:blip r:embed="rId2">
@@ -10608,18 +10841,106 @@
         </p:blipFill>
         <p:spPr>
           <a:xfrm>
-            <a:off x="2623931" y="1771252"/>
-            <a:ext cx="6546574" cy="3815452"/>
+            <a:off x="3154017" y="1605061"/>
+            <a:ext cx="5168348" cy="4680768"/>
           </a:xfrm>
-          <a:prstGeom prst="rect">
-            <a:avLst/>
-          </a:prstGeom>
         </p:spPr>
       </p:pic>
+      <p:sp>
+        <p:nvSpPr>
+          <p:cNvPr id="4" name="Date Placeholder 3">
+            <a:extLst>
+              <a:ext uri="{FF2B5EF4-FFF2-40B4-BE49-F238E27FC236}">
+                <a16:creationId xmlns:a16="http://schemas.microsoft.com/office/drawing/2014/main" id="{805099E5-E29F-4A9E-8833-A4B3CA69E173}"/>
+              </a:ext>
+            </a:extLst>
+          </p:cNvPr>
+          <p:cNvSpPr>
+            <a:spLocks noGrp="1"/>
+          </p:cNvSpPr>
+          <p:nvPr>
+            <p:ph type="dt" sz="half" idx="10"/>
+          </p:nvPr>
+        </p:nvSpPr>
+        <p:spPr/>
+        <p:txBody>
+          <a:bodyPr/>
+          <a:lstStyle/>
+          <a:p>
+            <a:fld id="{7C74E16E-276E-4A81-B0E2-E2AC71D00D27}" type="datetime1">
+              <a:rPr lang="en-US" smtClean="0"/>
+              <a:t>6/24/2020</a:t>
+            </a:fld>
+            <a:endParaRPr lang="en-US"/>
+          </a:p>
+        </p:txBody>
+      </p:sp>
+      <p:sp>
+        <p:nvSpPr>
+          <p:cNvPr id="5" name="Footer Placeholder 4">
+            <a:extLst>
+              <a:ext uri="{FF2B5EF4-FFF2-40B4-BE49-F238E27FC236}">
+                <a16:creationId xmlns:a16="http://schemas.microsoft.com/office/drawing/2014/main" id="{8FC62732-EA19-4F53-B6E0-4AA06BE7DF78}"/>
+              </a:ext>
+            </a:extLst>
+          </p:cNvPr>
+          <p:cNvSpPr>
+            <a:spLocks noGrp="1"/>
+          </p:cNvSpPr>
+          <p:nvPr>
+            <p:ph type="ftr" sz="quarter" idx="11"/>
+          </p:nvPr>
+        </p:nvSpPr>
+        <p:spPr/>
+        <p:txBody>
+          <a:bodyPr/>
+          <a:lstStyle/>
+          <a:p>
+            <a:r>
+              <a:rPr lang="en-US" dirty="0" err="1"/>
+              <a:t>CarPool</a:t>
+            </a:r>
+            <a:r>
+              <a:rPr lang="en-US" dirty="0"/>
+              <a:t> Application</a:t>
+            </a:r>
+          </a:p>
+        </p:txBody>
+      </p:sp>
+      <p:sp>
+        <p:nvSpPr>
+          <p:cNvPr id="6" name="Slide Number Placeholder 5">
+            <a:extLst>
+              <a:ext uri="{FF2B5EF4-FFF2-40B4-BE49-F238E27FC236}">
+                <a16:creationId xmlns:a16="http://schemas.microsoft.com/office/drawing/2014/main" id="{7F158E19-CC33-43D0-B131-E8FB402479BC}"/>
+              </a:ext>
+            </a:extLst>
+          </p:cNvPr>
+          <p:cNvSpPr>
+            <a:spLocks noGrp="1"/>
+          </p:cNvSpPr>
+          <p:nvPr>
+            <p:ph type="sldNum" sz="quarter" idx="12"/>
+          </p:nvPr>
+        </p:nvSpPr>
+        <p:spPr/>
+        <p:txBody>
+          <a:bodyPr/>
+          <a:lstStyle/>
+          <a:p>
+            <a:fld id="{915BDA96-C5F5-450C-BF38-5712401658A1}" type="slidenum">
+              <a:rPr lang="en-US" smtClean="0"/>
+              <a:pPr/>
+              <a:t>8</a:t>
+            </a:fld>
+            <a:endParaRPr lang="en-US"/>
+          </a:p>
+        </p:txBody>
+      </p:sp>
     </p:spTree>
     <p:extLst>
       <p:ext uri="{BB962C8B-B14F-4D97-AF65-F5344CB8AC3E}">
-        <p14:creationId xmlns:p14="http://schemas.microsoft.com/office/powerpoint/2010/main" val="707360991"/>
+        <p14:creationId xmlns:p14="http://schemas.microsoft.com/office/powerpoint/2010/main" val="3781577544"/>
       </p:ext>
     </p:extLst>
   </p:cSld>
@@ -10795,12 +11116,47 @@
           </a:p>
         </p:txBody>
       </p:sp>
+      <p:sp>
+        <p:nvSpPr>
+          <p:cNvPr id="9" name="TextBox 8">
+            <a:extLst>
+              <a:ext uri="{FF2B5EF4-FFF2-40B4-BE49-F238E27FC236}">
+                <a16:creationId xmlns:a16="http://schemas.microsoft.com/office/drawing/2014/main" id="{2CD9B58D-8852-42A1-ACF1-C203A5074256}"/>
+              </a:ext>
+            </a:extLst>
+          </p:cNvPr>
+          <p:cNvSpPr txBox="1"/>
+          <p:nvPr/>
+        </p:nvSpPr>
+        <p:spPr>
+          <a:xfrm>
+            <a:off x="5006172" y="5817867"/>
+            <a:ext cx="1782091" cy="369332"/>
+          </a:xfrm>
+          <a:prstGeom prst="rect">
+            <a:avLst/>
+          </a:prstGeom>
+          <a:noFill/>
+        </p:spPr>
+        <p:txBody>
+          <a:bodyPr wrap="none" rtlCol="0">
+            <a:spAutoFit/>
+          </a:bodyPr>
+          <a:lstStyle/>
+          <a:p>
+            <a:r>
+              <a:rPr lang="en-US" b="1" dirty="0"/>
+              <a:t>Context Diagram</a:t>
+            </a:r>
+          </a:p>
+        </p:txBody>
+      </p:sp>
       <p:pic>
         <p:nvPicPr>
-          <p:cNvPr id="8" name="Picture 7">
-            <a:extLst>
-              <a:ext uri="{FF2B5EF4-FFF2-40B4-BE49-F238E27FC236}">
-                <a16:creationId xmlns:a16="http://schemas.microsoft.com/office/drawing/2014/main" id="{940CBFFE-D19E-4B18-9D4C-90C89633DE57}"/>
+          <p:cNvPr id="10" name="Picture 9">
+            <a:extLst>
+              <a:ext uri="{FF2B5EF4-FFF2-40B4-BE49-F238E27FC236}">
+                <a16:creationId xmlns:a16="http://schemas.microsoft.com/office/drawing/2014/main" id="{4D817126-816F-4F54-8F13-D05080DE3A1D}"/>
               </a:ext>
             </a:extLst>
           </p:cNvPr>
@@ -10823,53 +11179,18 @@
         </p:blipFill>
         <p:spPr>
           <a:xfrm>
-            <a:off x="3078948" y="1619902"/>
-            <a:ext cx="5499652" cy="3973545"/>
+            <a:off x="2623931" y="1771252"/>
+            <a:ext cx="6546574" cy="3815452"/>
           </a:xfrm>
           <a:prstGeom prst="rect">
             <a:avLst/>
           </a:prstGeom>
         </p:spPr>
       </p:pic>
-      <p:sp>
-        <p:nvSpPr>
-          <p:cNvPr id="9" name="TextBox 8">
-            <a:extLst>
-              <a:ext uri="{FF2B5EF4-FFF2-40B4-BE49-F238E27FC236}">
-                <a16:creationId xmlns:a16="http://schemas.microsoft.com/office/drawing/2014/main" id="{2CD9B58D-8852-42A1-ACF1-C203A5074256}"/>
-              </a:ext>
-            </a:extLst>
-          </p:cNvPr>
-          <p:cNvSpPr txBox="1"/>
-          <p:nvPr/>
-        </p:nvSpPr>
-        <p:spPr>
-          <a:xfrm>
-            <a:off x="4778423" y="5850492"/>
-            <a:ext cx="2100703" cy="369332"/>
-          </a:xfrm>
-          <a:prstGeom prst="rect">
-            <a:avLst/>
-          </a:prstGeom>
-          <a:noFill/>
-        </p:spPr>
-        <p:txBody>
-          <a:bodyPr wrap="none" rtlCol="0">
-            <a:spAutoFit/>
-          </a:bodyPr>
-          <a:lstStyle/>
-          <a:p>
-            <a:r>
-              <a:rPr lang="en-US" b="1" dirty="0"/>
-              <a:t>System Architecture</a:t>
-            </a:r>
-          </a:p>
-        </p:txBody>
-      </p:sp>
     </p:spTree>
     <p:extLst>
       <p:ext uri="{BB962C8B-B14F-4D97-AF65-F5344CB8AC3E}">
-        <p14:creationId xmlns:p14="http://schemas.microsoft.com/office/powerpoint/2010/main" val="3882784231"/>
+        <p14:creationId xmlns:p14="http://schemas.microsoft.com/office/powerpoint/2010/main" val="707360991"/>
       </p:ext>
     </p:extLst>
   </p:cSld>
